--- a/docs/week-1/week-1.en.md_word.pptx
+++ b/docs/week-1/week-1.en.md_word.pptx
@@ -19,12 +19,8 @@
     <p:sldId id="267" r:id="rId13"/>
     <p:sldId id="268" r:id="rId14"/>
     <p:sldId id="269" r:id="rId15"/>
-    <p:sldId id="270" r:id="rId16"/>
-    <p:sldId id="271" r:id="rId17"/>
-    <p:sldId id="272" r:id="rId18"/>
-    <p:sldId id="273" r:id="rId19"/>
   </p:sldIdLst>
-  <p:sldSz cx="9144000" cy="6858000" type="screen4x3"/>
+  <p:sldSz cx="9144000" cy="5143500" type="screen16x9"/>
   <p:notesSz cx="6858000" cy="9144000"/>
   <p:defaultTextStyle>
     <a:defPPr>
@@ -124,12 +120,12 @@
   <p:extLst>
     <p:ext uri="{EFAFB233-063F-42B5-8137-9DF3F51BA10A}">
       <p15:sldGuideLst xmlns:p15="http://schemas.microsoft.com/office/powerpoint/2012/main">
-        <p15:guide id="1" orient="horz" pos="2160">
+        <p15:guide id="1" orient="horz" pos="1620" userDrawn="1">
           <p15:clr>
             <a:srgbClr val="A4A3A4"/>
           </p15:clr>
         </p15:guide>
-        <p15:guide id="2" pos="2880">
+        <p15:guide id="2" pos="2880" userDrawn="1">
           <p15:clr>
             <a:srgbClr val="A4A3A4"/>
           </p15:clr>
@@ -169,8 +165,8 @@
         </p:nvSpPr>
         <p:spPr>
           <a:xfrm>
-            <a:off x="685800" y="2130425"/>
-            <a:ext cx="7772400" cy="1470025"/>
+            <a:off x="685800" y="1597819"/>
+            <a:ext cx="7772400" cy="1102519"/>
           </a:xfrm>
         </p:spPr>
         <p:txBody>
@@ -178,10 +174,9 @@
           <a:lstStyle/>
           <a:p>
             <a:r>
-              <a:rPr lang="en-US" smtClean="0"/>
+              <a:rPr lang="en-US"/>
               <a:t>Click to edit Master title style</a:t>
             </a:r>
-            <a:endParaRPr lang="en-US"/>
           </a:p>
         </p:txBody>
       </p:sp>
@@ -197,8 +192,8 @@
         </p:nvSpPr>
         <p:spPr>
           <a:xfrm>
-            <a:off x="1371600" y="3886200"/>
-            <a:ext cx="6400800" cy="1752600"/>
+            <a:off x="1371600" y="2914650"/>
+            <a:ext cx="6400800" cy="1314450"/>
           </a:xfrm>
         </p:spPr>
         <p:txBody>
@@ -214,7 +209,7 @@
                 </a:solidFill>
               </a:defRPr>
             </a:lvl1pPr>
-            <a:lvl2pPr marL="457200" indent="0" algn="ctr">
+            <a:lvl2pPr marL="342900" indent="0" algn="ctr">
               <a:buNone/>
               <a:defRPr>
                 <a:solidFill>
@@ -224,7 +219,7 @@
                 </a:solidFill>
               </a:defRPr>
             </a:lvl2pPr>
-            <a:lvl3pPr marL="914400" indent="0" algn="ctr">
+            <a:lvl3pPr marL="685800" indent="0" algn="ctr">
               <a:buNone/>
               <a:defRPr>
                 <a:solidFill>
@@ -234,7 +229,7 @@
                 </a:solidFill>
               </a:defRPr>
             </a:lvl3pPr>
-            <a:lvl4pPr marL="1371600" indent="0" algn="ctr">
+            <a:lvl4pPr marL="1028700" indent="0" algn="ctr">
               <a:buNone/>
               <a:defRPr>
                 <a:solidFill>
@@ -244,7 +239,7 @@
                 </a:solidFill>
               </a:defRPr>
             </a:lvl4pPr>
-            <a:lvl5pPr marL="1828800" indent="0" algn="ctr">
+            <a:lvl5pPr marL="1371600" indent="0" algn="ctr">
               <a:buNone/>
               <a:defRPr>
                 <a:solidFill>
@@ -254,7 +249,7 @@
                 </a:solidFill>
               </a:defRPr>
             </a:lvl5pPr>
-            <a:lvl6pPr marL="2286000" indent="0" algn="ctr">
+            <a:lvl6pPr marL="1714500" indent="0" algn="ctr">
               <a:buNone/>
               <a:defRPr>
                 <a:solidFill>
@@ -264,7 +259,7 @@
                 </a:solidFill>
               </a:defRPr>
             </a:lvl6pPr>
-            <a:lvl7pPr marL="2743200" indent="0" algn="ctr">
+            <a:lvl7pPr marL="2057400" indent="0" algn="ctr">
               <a:buNone/>
               <a:defRPr>
                 <a:solidFill>
@@ -274,7 +269,7 @@
                 </a:solidFill>
               </a:defRPr>
             </a:lvl7pPr>
-            <a:lvl8pPr marL="3200400" indent="0" algn="ctr">
+            <a:lvl8pPr marL="2400300" indent="0" algn="ctr">
               <a:buNone/>
               <a:defRPr>
                 <a:solidFill>
@@ -284,7 +279,7 @@
                 </a:solidFill>
               </a:defRPr>
             </a:lvl8pPr>
-            <a:lvl9pPr marL="3657600" indent="0" algn="ctr">
+            <a:lvl9pPr marL="2743200" indent="0" algn="ctr">
               <a:buNone/>
               <a:defRPr>
                 <a:solidFill>
@@ -297,10 +292,9 @@
           </a:lstStyle>
           <a:p>
             <a:r>
-              <a:rPr lang="en-US" smtClean="0"/>
+              <a:rPr lang="en-US"/>
               <a:t>Click to edit Master subtitle style</a:t>
             </a:r>
-            <a:endParaRPr lang="en-US"/>
           </a:p>
         </p:txBody>
       </p:sp>
@@ -321,7 +315,7 @@
           <a:p>
             <a:fld id="{241EB5C9-1307-BA42-ABA2-0BC069CD8E7F}" type="datetimeFigureOut">
               <a:rPr lang="en-US" smtClean="0"/>
-              <a:t>4/5/2019</a:t>
+              <a:t>1/2/22</a:t>
             </a:fld>
             <a:endParaRPr lang="en-US"/>
           </a:p>
@@ -415,10 +409,9 @@
           <a:lstStyle/>
           <a:p>
             <a:r>
-              <a:rPr lang="en-US" smtClean="0"/>
+              <a:rPr lang="en-US"/>
               <a:t>Click to edit Master title style</a:t>
             </a:r>
-            <a:endParaRPr lang="en-US"/>
           </a:p>
         </p:txBody>
       </p:sp>
@@ -439,38 +432,37 @@
           <a:p>
             <a:pPr lvl="0"/>
             <a:r>
-              <a:rPr lang="en-US" smtClean="0"/>
+              <a:rPr lang="en-US"/>
               <a:t>Click to edit Master text styles</a:t>
             </a:r>
           </a:p>
           <a:p>
             <a:pPr lvl="1"/>
             <a:r>
-              <a:rPr lang="en-US" smtClean="0"/>
+              <a:rPr lang="en-US"/>
               <a:t>Second level</a:t>
             </a:r>
           </a:p>
           <a:p>
             <a:pPr lvl="2"/>
             <a:r>
-              <a:rPr lang="en-US" smtClean="0"/>
+              <a:rPr lang="en-US"/>
               <a:t>Third level</a:t>
             </a:r>
           </a:p>
           <a:p>
             <a:pPr lvl="3"/>
             <a:r>
-              <a:rPr lang="en-US" smtClean="0"/>
+              <a:rPr lang="en-US"/>
               <a:t>Fourth level</a:t>
             </a:r>
           </a:p>
           <a:p>
             <a:pPr lvl="4"/>
             <a:r>
-              <a:rPr lang="en-US" smtClean="0"/>
+              <a:rPr lang="en-US"/>
               <a:t>Fifth level</a:t>
             </a:r>
-            <a:endParaRPr lang="en-US"/>
           </a:p>
         </p:txBody>
       </p:sp>
@@ -491,7 +483,7 @@
           <a:p>
             <a:fld id="{241EB5C9-1307-BA42-ABA2-0BC069CD8E7F}" type="datetimeFigureOut">
               <a:rPr lang="en-US" smtClean="0"/>
-              <a:t>4/5/2019</a:t>
+              <a:t>1/2/22</a:t>
             </a:fld>
             <a:endParaRPr lang="en-US"/>
           </a:p>
@@ -581,8 +573,8 @@
         </p:nvSpPr>
         <p:spPr>
           <a:xfrm>
-            <a:off x="6629400" y="274638"/>
-            <a:ext cx="2057400" cy="5851525"/>
+            <a:off x="6629400" y="205979"/>
+            <a:ext cx="2057400" cy="4388644"/>
           </a:xfrm>
         </p:spPr>
         <p:txBody>
@@ -590,10 +582,9 @@
           <a:lstStyle/>
           <a:p>
             <a:r>
-              <a:rPr lang="en-US" smtClean="0"/>
+              <a:rPr lang="en-US"/>
               <a:t>Click to edit Master title style</a:t>
             </a:r>
-            <a:endParaRPr lang="en-US"/>
           </a:p>
         </p:txBody>
       </p:sp>
@@ -609,8 +600,8 @@
         </p:nvSpPr>
         <p:spPr>
           <a:xfrm>
-            <a:off x="457200" y="274638"/>
-            <a:ext cx="6019800" cy="5851525"/>
+            <a:off x="457200" y="205979"/>
+            <a:ext cx="6019800" cy="4388644"/>
           </a:xfrm>
         </p:spPr>
         <p:txBody>
@@ -619,38 +610,37 @@
           <a:p>
             <a:pPr lvl="0"/>
             <a:r>
-              <a:rPr lang="en-US" smtClean="0"/>
+              <a:rPr lang="en-US"/>
               <a:t>Click to edit Master text styles</a:t>
             </a:r>
           </a:p>
           <a:p>
             <a:pPr lvl="1"/>
             <a:r>
-              <a:rPr lang="en-US" smtClean="0"/>
+              <a:rPr lang="en-US"/>
               <a:t>Second level</a:t>
             </a:r>
           </a:p>
           <a:p>
             <a:pPr lvl="2"/>
             <a:r>
-              <a:rPr lang="en-US" smtClean="0"/>
+              <a:rPr lang="en-US"/>
               <a:t>Third level</a:t>
             </a:r>
           </a:p>
           <a:p>
             <a:pPr lvl="3"/>
             <a:r>
-              <a:rPr lang="en-US" smtClean="0"/>
+              <a:rPr lang="en-US"/>
               <a:t>Fourth level</a:t>
             </a:r>
           </a:p>
           <a:p>
             <a:pPr lvl="4"/>
             <a:r>
-              <a:rPr lang="en-US" smtClean="0"/>
+              <a:rPr lang="en-US"/>
               <a:t>Fifth level</a:t>
             </a:r>
-            <a:endParaRPr lang="en-US"/>
           </a:p>
         </p:txBody>
       </p:sp>
@@ -671,7 +661,7 @@
           <a:p>
             <a:fld id="{241EB5C9-1307-BA42-ABA2-0BC069CD8E7F}" type="datetimeFigureOut">
               <a:rPr lang="en-US" smtClean="0"/>
-              <a:t>4/5/2019</a:t>
+              <a:t>1/2/22</a:t>
             </a:fld>
             <a:endParaRPr lang="en-US"/>
           </a:p>
@@ -765,10 +755,9 @@
           <a:lstStyle/>
           <a:p>
             <a:r>
-              <a:rPr lang="en-US" smtClean="0"/>
+              <a:rPr lang="en-US"/>
               <a:t>Click to edit Master title style</a:t>
             </a:r>
-            <a:endParaRPr lang="en-US"/>
           </a:p>
         </p:txBody>
       </p:sp>
@@ -789,38 +778,37 @@
           <a:p>
             <a:pPr lvl="0"/>
             <a:r>
-              <a:rPr lang="en-US" smtClean="0"/>
+              <a:rPr lang="en-US"/>
               <a:t>Click to edit Master text styles</a:t>
             </a:r>
           </a:p>
           <a:p>
             <a:pPr lvl="1"/>
             <a:r>
-              <a:rPr lang="en-US" smtClean="0"/>
+              <a:rPr lang="en-US"/>
               <a:t>Second level</a:t>
             </a:r>
           </a:p>
           <a:p>
             <a:pPr lvl="2"/>
             <a:r>
-              <a:rPr lang="en-US" smtClean="0"/>
+              <a:rPr lang="en-US"/>
               <a:t>Third level</a:t>
             </a:r>
           </a:p>
           <a:p>
             <a:pPr lvl="3"/>
             <a:r>
-              <a:rPr lang="en-US" smtClean="0"/>
+              <a:rPr lang="en-US"/>
               <a:t>Fourth level</a:t>
             </a:r>
           </a:p>
           <a:p>
             <a:pPr lvl="4"/>
             <a:r>
-              <a:rPr lang="en-US" smtClean="0"/>
+              <a:rPr lang="en-US"/>
               <a:t>Fifth level</a:t>
             </a:r>
-            <a:endParaRPr lang="en-US"/>
           </a:p>
         </p:txBody>
       </p:sp>
@@ -841,7 +829,7 @@
           <a:p>
             <a:fld id="{241EB5C9-1307-BA42-ABA2-0BC069CD8E7F}" type="datetimeFigureOut">
               <a:rPr lang="en-US" smtClean="0"/>
-              <a:t>4/5/2019</a:t>
+              <a:t>1/2/22</a:t>
             </a:fld>
             <a:endParaRPr lang="en-US"/>
           </a:p>
@@ -931,23 +919,22 @@
         </p:nvSpPr>
         <p:spPr>
           <a:xfrm>
-            <a:off x="722313" y="4406900"/>
-            <a:ext cx="7772400" cy="1362075"/>
+            <a:off x="722313" y="3305176"/>
+            <a:ext cx="7772400" cy="1021556"/>
           </a:xfrm>
         </p:spPr>
         <p:txBody>
           <a:bodyPr anchor="t"/>
           <a:lstStyle>
             <a:lvl1pPr algn="l">
-              <a:defRPr sz="4000" b="1" cap="all"/>
+              <a:defRPr sz="3000" b="1" cap="all"/>
             </a:lvl1pPr>
           </a:lstStyle>
           <a:p>
             <a:r>
-              <a:rPr lang="en-US" smtClean="0"/>
+              <a:rPr lang="en-US"/>
               <a:t>Click to edit Master title style</a:t>
             </a:r>
-            <a:endParaRPr lang="en-US"/>
           </a:p>
         </p:txBody>
       </p:sp>
@@ -963,8 +950,8 @@
         </p:nvSpPr>
         <p:spPr>
           <a:xfrm>
-            <a:off x="722313" y="2906713"/>
-            <a:ext cx="7772400" cy="1500187"/>
+            <a:off x="722313" y="2180035"/>
+            <a:ext cx="7772400" cy="1125140"/>
           </a:xfrm>
         </p:spPr>
         <p:txBody>
@@ -972,7 +959,7 @@
           <a:lstStyle>
             <a:lvl1pPr marL="0" indent="0">
               <a:buNone/>
-              <a:defRPr sz="2000">
+              <a:defRPr sz="1500">
                 <a:solidFill>
                   <a:schemeClr val="tx1">
                     <a:tint val="75000"/>
@@ -980,9 +967,9 @@
                 </a:solidFill>
               </a:defRPr>
             </a:lvl1pPr>
-            <a:lvl2pPr marL="457200" indent="0">
-              <a:buNone/>
-              <a:defRPr sz="1800">
+            <a:lvl2pPr marL="342900" indent="0">
+              <a:buNone/>
+              <a:defRPr sz="1350">
                 <a:solidFill>
                   <a:schemeClr val="tx1">
                     <a:tint val="75000"/>
@@ -990,9 +977,9 @@
                 </a:solidFill>
               </a:defRPr>
             </a:lvl2pPr>
-            <a:lvl3pPr marL="914400" indent="0">
-              <a:buNone/>
-              <a:defRPr sz="1600">
+            <a:lvl3pPr marL="685800" indent="0">
+              <a:buNone/>
+              <a:defRPr sz="1200">
                 <a:solidFill>
                   <a:schemeClr val="tx1">
                     <a:tint val="75000"/>
@@ -1000,9 +987,9 @@
                 </a:solidFill>
               </a:defRPr>
             </a:lvl3pPr>
-            <a:lvl4pPr marL="1371600" indent="0">
-              <a:buNone/>
-              <a:defRPr sz="1400">
+            <a:lvl4pPr marL="1028700" indent="0">
+              <a:buNone/>
+              <a:defRPr sz="1050">
                 <a:solidFill>
                   <a:schemeClr val="tx1">
                     <a:tint val="75000"/>
@@ -1010,9 +997,9 @@
                 </a:solidFill>
               </a:defRPr>
             </a:lvl4pPr>
-            <a:lvl5pPr marL="1828800" indent="0">
-              <a:buNone/>
-              <a:defRPr sz="1400">
+            <a:lvl5pPr marL="1371600" indent="0">
+              <a:buNone/>
+              <a:defRPr sz="1050">
                 <a:solidFill>
                   <a:schemeClr val="tx1">
                     <a:tint val="75000"/>
@@ -1020,9 +1007,9 @@
                 </a:solidFill>
               </a:defRPr>
             </a:lvl5pPr>
-            <a:lvl6pPr marL="2286000" indent="0">
-              <a:buNone/>
-              <a:defRPr sz="1400">
+            <a:lvl6pPr marL="1714500" indent="0">
+              <a:buNone/>
+              <a:defRPr sz="1050">
                 <a:solidFill>
                   <a:schemeClr val="tx1">
                     <a:tint val="75000"/>
@@ -1030,9 +1017,9 @@
                 </a:solidFill>
               </a:defRPr>
             </a:lvl6pPr>
-            <a:lvl7pPr marL="2743200" indent="0">
-              <a:buNone/>
-              <a:defRPr sz="1400">
+            <a:lvl7pPr marL="2057400" indent="0">
+              <a:buNone/>
+              <a:defRPr sz="1050">
                 <a:solidFill>
                   <a:schemeClr val="tx1">
                     <a:tint val="75000"/>
@@ -1040,9 +1027,9 @@
                 </a:solidFill>
               </a:defRPr>
             </a:lvl7pPr>
-            <a:lvl8pPr marL="3200400" indent="0">
-              <a:buNone/>
-              <a:defRPr sz="1400">
+            <a:lvl8pPr marL="2400300" indent="0">
+              <a:buNone/>
+              <a:defRPr sz="1050">
                 <a:solidFill>
                   <a:schemeClr val="tx1">
                     <a:tint val="75000"/>
@@ -1050,9 +1037,9 @@
                 </a:solidFill>
               </a:defRPr>
             </a:lvl8pPr>
-            <a:lvl9pPr marL="3657600" indent="0">
-              <a:buNone/>
-              <a:defRPr sz="1400">
+            <a:lvl9pPr marL="2743200" indent="0">
+              <a:buNone/>
+              <a:defRPr sz="1050">
                 <a:solidFill>
                   <a:schemeClr val="tx1">
                     <a:tint val="75000"/>
@@ -1064,7 +1051,7 @@
           <a:p>
             <a:pPr lvl="0"/>
             <a:r>
-              <a:rPr lang="en-US" smtClean="0"/>
+              <a:rPr lang="en-US"/>
               <a:t>Click to edit Master text styles</a:t>
             </a:r>
           </a:p>
@@ -1087,7 +1074,7 @@
           <a:p>
             <a:fld id="{241EB5C9-1307-BA42-ABA2-0BC069CD8E7F}" type="datetimeFigureOut">
               <a:rPr lang="en-US" smtClean="0"/>
-              <a:t>4/5/2019</a:t>
+              <a:t>1/2/22</a:t>
             </a:fld>
             <a:endParaRPr lang="en-US"/>
           </a:p>
@@ -1181,10 +1168,9 @@
           <a:lstStyle/>
           <a:p>
             <a:r>
-              <a:rPr lang="en-US" smtClean="0"/>
+              <a:rPr lang="en-US"/>
               <a:t>Click to edit Master title style</a:t>
             </a:r>
-            <a:endParaRPr lang="en-US"/>
           </a:p>
         </p:txBody>
       </p:sp>
@@ -1200,76 +1186,75 @@
         </p:nvSpPr>
         <p:spPr>
           <a:xfrm>
-            <a:off x="457200" y="1600200"/>
-            <a:ext cx="4038600" cy="4525963"/>
+            <a:off x="457200" y="1200151"/>
+            <a:ext cx="4038600" cy="3394472"/>
           </a:xfrm>
         </p:spPr>
         <p:txBody>
           <a:bodyPr/>
           <a:lstStyle>
             <a:lvl1pPr>
-              <a:defRPr sz="2800"/>
+              <a:defRPr sz="2100"/>
             </a:lvl1pPr>
             <a:lvl2pPr>
-              <a:defRPr sz="2400"/>
+              <a:defRPr sz="1800"/>
             </a:lvl2pPr>
             <a:lvl3pPr>
-              <a:defRPr sz="2000"/>
+              <a:defRPr sz="1500"/>
             </a:lvl3pPr>
             <a:lvl4pPr>
-              <a:defRPr sz="1800"/>
+              <a:defRPr sz="1350"/>
             </a:lvl4pPr>
             <a:lvl5pPr>
-              <a:defRPr sz="1800"/>
+              <a:defRPr sz="1350"/>
             </a:lvl5pPr>
             <a:lvl6pPr>
-              <a:defRPr sz="1800"/>
+              <a:defRPr sz="1350"/>
             </a:lvl6pPr>
             <a:lvl7pPr>
-              <a:defRPr sz="1800"/>
+              <a:defRPr sz="1350"/>
             </a:lvl7pPr>
             <a:lvl8pPr>
-              <a:defRPr sz="1800"/>
+              <a:defRPr sz="1350"/>
             </a:lvl8pPr>
             <a:lvl9pPr>
-              <a:defRPr sz="1800"/>
+              <a:defRPr sz="1350"/>
             </a:lvl9pPr>
           </a:lstStyle>
           <a:p>
             <a:pPr lvl="0"/>
             <a:r>
-              <a:rPr lang="en-US" smtClean="0"/>
+              <a:rPr lang="en-US"/>
               <a:t>Click to edit Master text styles</a:t>
             </a:r>
           </a:p>
           <a:p>
             <a:pPr lvl="1"/>
             <a:r>
-              <a:rPr lang="en-US" smtClean="0"/>
+              <a:rPr lang="en-US"/>
               <a:t>Second level</a:t>
             </a:r>
           </a:p>
           <a:p>
             <a:pPr lvl="2"/>
             <a:r>
-              <a:rPr lang="en-US" smtClean="0"/>
+              <a:rPr lang="en-US"/>
               <a:t>Third level</a:t>
             </a:r>
           </a:p>
           <a:p>
             <a:pPr lvl="3"/>
             <a:r>
-              <a:rPr lang="en-US" smtClean="0"/>
+              <a:rPr lang="en-US"/>
               <a:t>Fourth level</a:t>
             </a:r>
           </a:p>
           <a:p>
             <a:pPr lvl="4"/>
             <a:r>
-              <a:rPr lang="en-US" smtClean="0"/>
+              <a:rPr lang="en-US"/>
               <a:t>Fifth level</a:t>
             </a:r>
-            <a:endParaRPr lang="en-US"/>
           </a:p>
         </p:txBody>
       </p:sp>
@@ -1285,76 +1270,75 @@
         </p:nvSpPr>
         <p:spPr>
           <a:xfrm>
-            <a:off x="4648200" y="1600200"/>
-            <a:ext cx="4038600" cy="4525963"/>
+            <a:off x="4648200" y="1200151"/>
+            <a:ext cx="4038600" cy="3394472"/>
           </a:xfrm>
         </p:spPr>
         <p:txBody>
           <a:bodyPr/>
           <a:lstStyle>
             <a:lvl1pPr>
-              <a:defRPr sz="2800"/>
+              <a:defRPr sz="2100"/>
             </a:lvl1pPr>
             <a:lvl2pPr>
-              <a:defRPr sz="2400"/>
+              <a:defRPr sz="1800"/>
             </a:lvl2pPr>
             <a:lvl3pPr>
-              <a:defRPr sz="2000"/>
+              <a:defRPr sz="1500"/>
             </a:lvl3pPr>
             <a:lvl4pPr>
-              <a:defRPr sz="1800"/>
+              <a:defRPr sz="1350"/>
             </a:lvl4pPr>
             <a:lvl5pPr>
-              <a:defRPr sz="1800"/>
+              <a:defRPr sz="1350"/>
             </a:lvl5pPr>
             <a:lvl6pPr>
-              <a:defRPr sz="1800"/>
+              <a:defRPr sz="1350"/>
             </a:lvl6pPr>
             <a:lvl7pPr>
-              <a:defRPr sz="1800"/>
+              <a:defRPr sz="1350"/>
             </a:lvl7pPr>
             <a:lvl8pPr>
-              <a:defRPr sz="1800"/>
+              <a:defRPr sz="1350"/>
             </a:lvl8pPr>
             <a:lvl9pPr>
-              <a:defRPr sz="1800"/>
+              <a:defRPr sz="1350"/>
             </a:lvl9pPr>
           </a:lstStyle>
           <a:p>
             <a:pPr lvl="0"/>
             <a:r>
-              <a:rPr lang="en-US" smtClean="0"/>
+              <a:rPr lang="en-US"/>
               <a:t>Click to edit Master text styles</a:t>
             </a:r>
           </a:p>
           <a:p>
             <a:pPr lvl="1"/>
             <a:r>
-              <a:rPr lang="en-US" smtClean="0"/>
+              <a:rPr lang="en-US"/>
               <a:t>Second level</a:t>
             </a:r>
           </a:p>
           <a:p>
             <a:pPr lvl="2"/>
             <a:r>
-              <a:rPr lang="en-US" smtClean="0"/>
+              <a:rPr lang="en-US"/>
               <a:t>Third level</a:t>
             </a:r>
           </a:p>
           <a:p>
             <a:pPr lvl="3"/>
             <a:r>
-              <a:rPr lang="en-US" smtClean="0"/>
+              <a:rPr lang="en-US"/>
               <a:t>Fourth level</a:t>
             </a:r>
           </a:p>
           <a:p>
             <a:pPr lvl="4"/>
             <a:r>
-              <a:rPr lang="en-US" smtClean="0"/>
+              <a:rPr lang="en-US"/>
               <a:t>Fifth level</a:t>
             </a:r>
-            <a:endParaRPr lang="en-US"/>
           </a:p>
         </p:txBody>
       </p:sp>
@@ -1375,7 +1359,7 @@
           <a:p>
             <a:fld id="{241EB5C9-1307-BA42-ABA2-0BC069CD8E7F}" type="datetimeFigureOut">
               <a:rPr lang="en-US" smtClean="0"/>
-              <a:t>4/5/2019</a:t>
+              <a:t>1/2/22</a:t>
             </a:fld>
             <a:endParaRPr lang="en-US"/>
           </a:p>
@@ -1473,10 +1457,9 @@
           </a:lstStyle>
           <a:p>
             <a:r>
-              <a:rPr lang="en-US" smtClean="0"/>
+              <a:rPr lang="en-US"/>
               <a:t>Click to edit Master title style</a:t>
             </a:r>
-            <a:endParaRPr lang="en-US"/>
           </a:p>
         </p:txBody>
       </p:sp>
@@ -1492,8 +1475,8 @@
         </p:nvSpPr>
         <p:spPr>
           <a:xfrm>
-            <a:off x="457200" y="1535113"/>
-            <a:ext cx="4040188" cy="639762"/>
+            <a:off x="457200" y="1151335"/>
+            <a:ext cx="4040188" cy="479822"/>
           </a:xfrm>
         </p:spPr>
         <p:txBody>
@@ -1501,45 +1484,45 @@
           <a:lstStyle>
             <a:lvl1pPr marL="0" indent="0">
               <a:buNone/>
-              <a:defRPr sz="2400" b="1"/>
+              <a:defRPr sz="1800" b="1"/>
             </a:lvl1pPr>
-            <a:lvl2pPr marL="457200" indent="0">
-              <a:buNone/>
-              <a:defRPr sz="2000" b="1"/>
+            <a:lvl2pPr marL="342900" indent="0">
+              <a:buNone/>
+              <a:defRPr sz="1500" b="1"/>
             </a:lvl2pPr>
-            <a:lvl3pPr marL="914400" indent="0">
-              <a:buNone/>
-              <a:defRPr sz="1800" b="1"/>
+            <a:lvl3pPr marL="685800" indent="0">
+              <a:buNone/>
+              <a:defRPr sz="1350" b="1"/>
             </a:lvl3pPr>
-            <a:lvl4pPr marL="1371600" indent="0">
-              <a:buNone/>
-              <a:defRPr sz="1600" b="1"/>
+            <a:lvl4pPr marL="1028700" indent="0">
+              <a:buNone/>
+              <a:defRPr sz="1200" b="1"/>
             </a:lvl4pPr>
-            <a:lvl5pPr marL="1828800" indent="0">
-              <a:buNone/>
-              <a:defRPr sz="1600" b="1"/>
+            <a:lvl5pPr marL="1371600" indent="0">
+              <a:buNone/>
+              <a:defRPr sz="1200" b="1"/>
             </a:lvl5pPr>
-            <a:lvl6pPr marL="2286000" indent="0">
-              <a:buNone/>
-              <a:defRPr sz="1600" b="1"/>
+            <a:lvl6pPr marL="1714500" indent="0">
+              <a:buNone/>
+              <a:defRPr sz="1200" b="1"/>
             </a:lvl6pPr>
-            <a:lvl7pPr marL="2743200" indent="0">
-              <a:buNone/>
-              <a:defRPr sz="1600" b="1"/>
+            <a:lvl7pPr marL="2057400" indent="0">
+              <a:buNone/>
+              <a:defRPr sz="1200" b="1"/>
             </a:lvl7pPr>
-            <a:lvl8pPr marL="3200400" indent="0">
-              <a:buNone/>
-              <a:defRPr sz="1600" b="1"/>
+            <a:lvl8pPr marL="2400300" indent="0">
+              <a:buNone/>
+              <a:defRPr sz="1200" b="1"/>
             </a:lvl8pPr>
-            <a:lvl9pPr marL="3657600" indent="0">
-              <a:buNone/>
-              <a:defRPr sz="1600" b="1"/>
+            <a:lvl9pPr marL="2743200" indent="0">
+              <a:buNone/>
+              <a:defRPr sz="1200" b="1"/>
             </a:lvl9pPr>
           </a:lstStyle>
           <a:p>
             <a:pPr lvl="0"/>
             <a:r>
-              <a:rPr lang="en-US" smtClean="0"/>
+              <a:rPr lang="en-US"/>
               <a:t>Click to edit Master text styles</a:t>
             </a:r>
           </a:p>
@@ -1557,76 +1540,75 @@
         </p:nvSpPr>
         <p:spPr>
           <a:xfrm>
-            <a:off x="457200" y="2174875"/>
-            <a:ext cx="4040188" cy="3951288"/>
+            <a:off x="457200" y="1631156"/>
+            <a:ext cx="4040188" cy="2963466"/>
           </a:xfrm>
         </p:spPr>
         <p:txBody>
           <a:bodyPr/>
           <a:lstStyle>
             <a:lvl1pPr>
-              <a:defRPr sz="2400"/>
+              <a:defRPr sz="1800"/>
             </a:lvl1pPr>
             <a:lvl2pPr>
-              <a:defRPr sz="2000"/>
+              <a:defRPr sz="1500"/>
             </a:lvl2pPr>
             <a:lvl3pPr>
-              <a:defRPr sz="1800"/>
+              <a:defRPr sz="1350"/>
             </a:lvl3pPr>
             <a:lvl4pPr>
-              <a:defRPr sz="1600"/>
+              <a:defRPr sz="1200"/>
             </a:lvl4pPr>
             <a:lvl5pPr>
-              <a:defRPr sz="1600"/>
+              <a:defRPr sz="1200"/>
             </a:lvl5pPr>
             <a:lvl6pPr>
-              <a:defRPr sz="1600"/>
+              <a:defRPr sz="1200"/>
             </a:lvl6pPr>
             <a:lvl7pPr>
-              <a:defRPr sz="1600"/>
+              <a:defRPr sz="1200"/>
             </a:lvl7pPr>
             <a:lvl8pPr>
-              <a:defRPr sz="1600"/>
+              <a:defRPr sz="1200"/>
             </a:lvl8pPr>
             <a:lvl9pPr>
-              <a:defRPr sz="1600"/>
+              <a:defRPr sz="1200"/>
             </a:lvl9pPr>
           </a:lstStyle>
           <a:p>
             <a:pPr lvl="0"/>
             <a:r>
-              <a:rPr lang="en-US" smtClean="0"/>
+              <a:rPr lang="en-US"/>
               <a:t>Click to edit Master text styles</a:t>
             </a:r>
           </a:p>
           <a:p>
             <a:pPr lvl="1"/>
             <a:r>
-              <a:rPr lang="en-US" smtClean="0"/>
+              <a:rPr lang="en-US"/>
               <a:t>Second level</a:t>
             </a:r>
           </a:p>
           <a:p>
             <a:pPr lvl="2"/>
             <a:r>
-              <a:rPr lang="en-US" smtClean="0"/>
+              <a:rPr lang="en-US"/>
               <a:t>Third level</a:t>
             </a:r>
           </a:p>
           <a:p>
             <a:pPr lvl="3"/>
             <a:r>
-              <a:rPr lang="en-US" smtClean="0"/>
+              <a:rPr lang="en-US"/>
               <a:t>Fourth level</a:t>
             </a:r>
           </a:p>
           <a:p>
             <a:pPr lvl="4"/>
             <a:r>
-              <a:rPr lang="en-US" smtClean="0"/>
+              <a:rPr lang="en-US"/>
               <a:t>Fifth level</a:t>
             </a:r>
-            <a:endParaRPr lang="en-US"/>
           </a:p>
         </p:txBody>
       </p:sp>
@@ -1642,8 +1624,8 @@
         </p:nvSpPr>
         <p:spPr>
           <a:xfrm>
-            <a:off x="4645025" y="1535113"/>
-            <a:ext cx="4041775" cy="639762"/>
+            <a:off x="4645026" y="1151335"/>
+            <a:ext cx="4041775" cy="479822"/>
           </a:xfrm>
         </p:spPr>
         <p:txBody>
@@ -1651,45 +1633,45 @@
           <a:lstStyle>
             <a:lvl1pPr marL="0" indent="0">
               <a:buNone/>
-              <a:defRPr sz="2400" b="1"/>
+              <a:defRPr sz="1800" b="1"/>
             </a:lvl1pPr>
-            <a:lvl2pPr marL="457200" indent="0">
-              <a:buNone/>
-              <a:defRPr sz="2000" b="1"/>
+            <a:lvl2pPr marL="342900" indent="0">
+              <a:buNone/>
+              <a:defRPr sz="1500" b="1"/>
             </a:lvl2pPr>
-            <a:lvl3pPr marL="914400" indent="0">
-              <a:buNone/>
-              <a:defRPr sz="1800" b="1"/>
+            <a:lvl3pPr marL="685800" indent="0">
+              <a:buNone/>
+              <a:defRPr sz="1350" b="1"/>
             </a:lvl3pPr>
-            <a:lvl4pPr marL="1371600" indent="0">
-              <a:buNone/>
-              <a:defRPr sz="1600" b="1"/>
+            <a:lvl4pPr marL="1028700" indent="0">
+              <a:buNone/>
+              <a:defRPr sz="1200" b="1"/>
             </a:lvl4pPr>
-            <a:lvl5pPr marL="1828800" indent="0">
-              <a:buNone/>
-              <a:defRPr sz="1600" b="1"/>
+            <a:lvl5pPr marL="1371600" indent="0">
+              <a:buNone/>
+              <a:defRPr sz="1200" b="1"/>
             </a:lvl5pPr>
-            <a:lvl6pPr marL="2286000" indent="0">
-              <a:buNone/>
-              <a:defRPr sz="1600" b="1"/>
+            <a:lvl6pPr marL="1714500" indent="0">
+              <a:buNone/>
+              <a:defRPr sz="1200" b="1"/>
             </a:lvl6pPr>
-            <a:lvl7pPr marL="2743200" indent="0">
-              <a:buNone/>
-              <a:defRPr sz="1600" b="1"/>
+            <a:lvl7pPr marL="2057400" indent="0">
+              <a:buNone/>
+              <a:defRPr sz="1200" b="1"/>
             </a:lvl7pPr>
-            <a:lvl8pPr marL="3200400" indent="0">
-              <a:buNone/>
-              <a:defRPr sz="1600" b="1"/>
+            <a:lvl8pPr marL="2400300" indent="0">
+              <a:buNone/>
+              <a:defRPr sz="1200" b="1"/>
             </a:lvl8pPr>
-            <a:lvl9pPr marL="3657600" indent="0">
-              <a:buNone/>
-              <a:defRPr sz="1600" b="1"/>
+            <a:lvl9pPr marL="2743200" indent="0">
+              <a:buNone/>
+              <a:defRPr sz="1200" b="1"/>
             </a:lvl9pPr>
           </a:lstStyle>
           <a:p>
             <a:pPr lvl="0"/>
             <a:r>
-              <a:rPr lang="en-US" smtClean="0"/>
+              <a:rPr lang="en-US"/>
               <a:t>Click to edit Master text styles</a:t>
             </a:r>
           </a:p>
@@ -1707,76 +1689,75 @@
         </p:nvSpPr>
         <p:spPr>
           <a:xfrm>
-            <a:off x="4645025" y="2174875"/>
-            <a:ext cx="4041775" cy="3951288"/>
+            <a:off x="4645026" y="1631156"/>
+            <a:ext cx="4041775" cy="2963466"/>
           </a:xfrm>
         </p:spPr>
         <p:txBody>
           <a:bodyPr/>
           <a:lstStyle>
             <a:lvl1pPr>
-              <a:defRPr sz="2400"/>
+              <a:defRPr sz="1800"/>
             </a:lvl1pPr>
             <a:lvl2pPr>
-              <a:defRPr sz="2000"/>
+              <a:defRPr sz="1500"/>
             </a:lvl2pPr>
             <a:lvl3pPr>
-              <a:defRPr sz="1800"/>
+              <a:defRPr sz="1350"/>
             </a:lvl3pPr>
             <a:lvl4pPr>
-              <a:defRPr sz="1600"/>
+              <a:defRPr sz="1200"/>
             </a:lvl4pPr>
             <a:lvl5pPr>
-              <a:defRPr sz="1600"/>
+              <a:defRPr sz="1200"/>
             </a:lvl5pPr>
             <a:lvl6pPr>
-              <a:defRPr sz="1600"/>
+              <a:defRPr sz="1200"/>
             </a:lvl6pPr>
             <a:lvl7pPr>
-              <a:defRPr sz="1600"/>
+              <a:defRPr sz="1200"/>
             </a:lvl7pPr>
             <a:lvl8pPr>
-              <a:defRPr sz="1600"/>
+              <a:defRPr sz="1200"/>
             </a:lvl8pPr>
             <a:lvl9pPr>
-              <a:defRPr sz="1600"/>
+              <a:defRPr sz="1200"/>
             </a:lvl9pPr>
           </a:lstStyle>
           <a:p>
             <a:pPr lvl="0"/>
             <a:r>
-              <a:rPr lang="en-US" smtClean="0"/>
+              <a:rPr lang="en-US"/>
               <a:t>Click to edit Master text styles</a:t>
             </a:r>
           </a:p>
           <a:p>
             <a:pPr lvl="1"/>
             <a:r>
-              <a:rPr lang="en-US" smtClean="0"/>
+              <a:rPr lang="en-US"/>
               <a:t>Second level</a:t>
             </a:r>
           </a:p>
           <a:p>
             <a:pPr lvl="2"/>
             <a:r>
-              <a:rPr lang="en-US" smtClean="0"/>
+              <a:rPr lang="en-US"/>
               <a:t>Third level</a:t>
             </a:r>
           </a:p>
           <a:p>
             <a:pPr lvl="3"/>
             <a:r>
-              <a:rPr lang="en-US" smtClean="0"/>
+              <a:rPr lang="en-US"/>
               <a:t>Fourth level</a:t>
             </a:r>
           </a:p>
           <a:p>
             <a:pPr lvl="4"/>
             <a:r>
-              <a:rPr lang="en-US" smtClean="0"/>
+              <a:rPr lang="en-US"/>
               <a:t>Fifth level</a:t>
             </a:r>
-            <a:endParaRPr lang="en-US"/>
           </a:p>
         </p:txBody>
       </p:sp>
@@ -1797,7 +1778,7 @@
           <a:p>
             <a:fld id="{241EB5C9-1307-BA42-ABA2-0BC069CD8E7F}" type="datetimeFigureOut">
               <a:rPr lang="en-US" smtClean="0"/>
-              <a:t>4/5/2019</a:t>
+              <a:t>1/2/22</a:t>
             </a:fld>
             <a:endParaRPr lang="en-US"/>
           </a:p>
@@ -1891,10 +1872,9 @@
           <a:lstStyle/>
           <a:p>
             <a:r>
-              <a:rPr lang="en-US" smtClean="0"/>
+              <a:rPr lang="en-US"/>
               <a:t>Click to edit Master title style</a:t>
             </a:r>
-            <a:endParaRPr lang="en-US"/>
           </a:p>
         </p:txBody>
       </p:sp>
@@ -1915,7 +1895,7 @@
           <a:p>
             <a:fld id="{241EB5C9-1307-BA42-ABA2-0BC069CD8E7F}" type="datetimeFigureOut">
               <a:rPr lang="en-US" smtClean="0"/>
-              <a:t>4/5/2019</a:t>
+              <a:t>1/2/22</a:t>
             </a:fld>
             <a:endParaRPr lang="en-US"/>
           </a:p>
@@ -2010,7 +1990,7 @@
           <a:p>
             <a:fld id="{241EB5C9-1307-BA42-ABA2-0BC069CD8E7F}" type="datetimeFigureOut">
               <a:rPr lang="en-US" smtClean="0"/>
-              <a:t>4/5/2019</a:t>
+              <a:t>1/2/22</a:t>
             </a:fld>
             <a:endParaRPr lang="en-US"/>
           </a:p>
@@ -2100,23 +2080,22 @@
         </p:nvSpPr>
         <p:spPr>
           <a:xfrm>
-            <a:off x="457200" y="273050"/>
-            <a:ext cx="3008313" cy="1162050"/>
+            <a:off x="457201" y="204787"/>
+            <a:ext cx="3008313" cy="871538"/>
           </a:xfrm>
         </p:spPr>
         <p:txBody>
           <a:bodyPr anchor="b"/>
           <a:lstStyle>
             <a:lvl1pPr algn="l">
-              <a:defRPr sz="2000" b="1"/>
+              <a:defRPr sz="1500" b="1"/>
             </a:lvl1pPr>
           </a:lstStyle>
           <a:p>
             <a:r>
-              <a:rPr lang="en-US" smtClean="0"/>
+              <a:rPr lang="en-US"/>
               <a:t>Click to edit Master title style</a:t>
             </a:r>
-            <a:endParaRPr lang="en-US"/>
           </a:p>
         </p:txBody>
       </p:sp>
@@ -2132,76 +2111,75 @@
         </p:nvSpPr>
         <p:spPr>
           <a:xfrm>
-            <a:off x="3575050" y="273050"/>
-            <a:ext cx="5111750" cy="5853113"/>
+            <a:off x="3575050" y="204788"/>
+            <a:ext cx="5111750" cy="4389835"/>
           </a:xfrm>
         </p:spPr>
         <p:txBody>
           <a:bodyPr/>
           <a:lstStyle>
             <a:lvl1pPr>
-              <a:defRPr sz="3200"/>
+              <a:defRPr sz="2400"/>
             </a:lvl1pPr>
             <a:lvl2pPr>
-              <a:defRPr sz="2800"/>
+              <a:defRPr sz="2100"/>
             </a:lvl2pPr>
             <a:lvl3pPr>
-              <a:defRPr sz="2400"/>
+              <a:defRPr sz="1800"/>
             </a:lvl3pPr>
             <a:lvl4pPr>
-              <a:defRPr sz="2000"/>
+              <a:defRPr sz="1500"/>
             </a:lvl4pPr>
             <a:lvl5pPr>
-              <a:defRPr sz="2000"/>
+              <a:defRPr sz="1500"/>
             </a:lvl5pPr>
             <a:lvl6pPr>
-              <a:defRPr sz="2000"/>
+              <a:defRPr sz="1500"/>
             </a:lvl6pPr>
             <a:lvl7pPr>
-              <a:defRPr sz="2000"/>
+              <a:defRPr sz="1500"/>
             </a:lvl7pPr>
             <a:lvl8pPr>
-              <a:defRPr sz="2000"/>
+              <a:defRPr sz="1500"/>
             </a:lvl8pPr>
             <a:lvl9pPr>
-              <a:defRPr sz="2000"/>
+              <a:defRPr sz="1500"/>
             </a:lvl9pPr>
           </a:lstStyle>
           <a:p>
             <a:pPr lvl="0"/>
             <a:r>
-              <a:rPr lang="en-US" smtClean="0"/>
+              <a:rPr lang="en-US"/>
               <a:t>Click to edit Master text styles</a:t>
             </a:r>
           </a:p>
           <a:p>
             <a:pPr lvl="1"/>
             <a:r>
-              <a:rPr lang="en-US" smtClean="0"/>
+              <a:rPr lang="en-US"/>
               <a:t>Second level</a:t>
             </a:r>
           </a:p>
           <a:p>
             <a:pPr lvl="2"/>
             <a:r>
-              <a:rPr lang="en-US" smtClean="0"/>
+              <a:rPr lang="en-US"/>
               <a:t>Third level</a:t>
             </a:r>
           </a:p>
           <a:p>
             <a:pPr lvl="3"/>
             <a:r>
-              <a:rPr lang="en-US" smtClean="0"/>
+              <a:rPr lang="en-US"/>
               <a:t>Fourth level</a:t>
             </a:r>
           </a:p>
           <a:p>
             <a:pPr lvl="4"/>
             <a:r>
-              <a:rPr lang="en-US" smtClean="0"/>
+              <a:rPr lang="en-US"/>
               <a:t>Fifth level</a:t>
             </a:r>
-            <a:endParaRPr lang="en-US"/>
           </a:p>
         </p:txBody>
       </p:sp>
@@ -2217,8 +2195,8 @@
         </p:nvSpPr>
         <p:spPr>
           <a:xfrm>
-            <a:off x="457200" y="1435100"/>
-            <a:ext cx="3008313" cy="4691063"/>
+            <a:off x="457201" y="1076326"/>
+            <a:ext cx="3008313" cy="3518297"/>
           </a:xfrm>
         </p:spPr>
         <p:txBody>
@@ -2226,45 +2204,45 @@
           <a:lstStyle>
             <a:lvl1pPr marL="0" indent="0">
               <a:buNone/>
-              <a:defRPr sz="1400"/>
+              <a:defRPr sz="1050"/>
             </a:lvl1pPr>
-            <a:lvl2pPr marL="457200" indent="0">
-              <a:buNone/>
-              <a:defRPr sz="1200"/>
+            <a:lvl2pPr marL="342900" indent="0">
+              <a:buNone/>
+              <a:defRPr sz="900"/>
             </a:lvl2pPr>
-            <a:lvl3pPr marL="914400" indent="0">
-              <a:buNone/>
-              <a:defRPr sz="1000"/>
+            <a:lvl3pPr marL="685800" indent="0">
+              <a:buNone/>
+              <a:defRPr sz="750"/>
             </a:lvl3pPr>
-            <a:lvl4pPr marL="1371600" indent="0">
-              <a:buNone/>
-              <a:defRPr sz="900"/>
+            <a:lvl4pPr marL="1028700" indent="0">
+              <a:buNone/>
+              <a:defRPr sz="675"/>
             </a:lvl4pPr>
-            <a:lvl5pPr marL="1828800" indent="0">
-              <a:buNone/>
-              <a:defRPr sz="900"/>
+            <a:lvl5pPr marL="1371600" indent="0">
+              <a:buNone/>
+              <a:defRPr sz="675"/>
             </a:lvl5pPr>
-            <a:lvl6pPr marL="2286000" indent="0">
-              <a:buNone/>
-              <a:defRPr sz="900"/>
+            <a:lvl6pPr marL="1714500" indent="0">
+              <a:buNone/>
+              <a:defRPr sz="675"/>
             </a:lvl6pPr>
-            <a:lvl7pPr marL="2743200" indent="0">
-              <a:buNone/>
-              <a:defRPr sz="900"/>
+            <a:lvl7pPr marL="2057400" indent="0">
+              <a:buNone/>
+              <a:defRPr sz="675"/>
             </a:lvl7pPr>
-            <a:lvl8pPr marL="3200400" indent="0">
-              <a:buNone/>
-              <a:defRPr sz="900"/>
+            <a:lvl8pPr marL="2400300" indent="0">
+              <a:buNone/>
+              <a:defRPr sz="675"/>
             </a:lvl8pPr>
-            <a:lvl9pPr marL="3657600" indent="0">
-              <a:buNone/>
-              <a:defRPr sz="900"/>
+            <a:lvl9pPr marL="2743200" indent="0">
+              <a:buNone/>
+              <a:defRPr sz="675"/>
             </a:lvl9pPr>
           </a:lstStyle>
           <a:p>
             <a:pPr lvl="0"/>
             <a:r>
-              <a:rPr lang="en-US" smtClean="0"/>
+              <a:rPr lang="en-US"/>
               <a:t>Click to edit Master text styles</a:t>
             </a:r>
           </a:p>
@@ -2287,7 +2265,7 @@
           <a:p>
             <a:fld id="{241EB5C9-1307-BA42-ABA2-0BC069CD8E7F}" type="datetimeFigureOut">
               <a:rPr lang="en-US" smtClean="0"/>
-              <a:t>4/5/2019</a:t>
+              <a:t>1/2/22</a:t>
             </a:fld>
             <a:endParaRPr lang="en-US"/>
           </a:p>
@@ -2377,23 +2355,22 @@
         </p:nvSpPr>
         <p:spPr>
           <a:xfrm>
-            <a:off x="1792288" y="4800600"/>
-            <a:ext cx="5486400" cy="566738"/>
+            <a:off x="1792288" y="3600450"/>
+            <a:ext cx="5486400" cy="425054"/>
           </a:xfrm>
         </p:spPr>
         <p:txBody>
           <a:bodyPr anchor="b"/>
           <a:lstStyle>
             <a:lvl1pPr algn="l">
-              <a:defRPr sz="2000" b="1"/>
+              <a:defRPr sz="1500" b="1"/>
             </a:lvl1pPr>
           </a:lstStyle>
           <a:p>
             <a:r>
-              <a:rPr lang="en-US" smtClean="0"/>
+              <a:rPr lang="en-US"/>
               <a:t>Click to edit Master title style</a:t>
             </a:r>
-            <a:endParaRPr lang="en-US"/>
           </a:p>
         </p:txBody>
       </p:sp>
@@ -2409,8 +2386,8 @@
         </p:nvSpPr>
         <p:spPr>
           <a:xfrm>
-            <a:off x="1792288" y="612775"/>
-            <a:ext cx="5486400" cy="4114800"/>
+            <a:off x="1792288" y="459581"/>
+            <a:ext cx="5486400" cy="3086100"/>
           </a:xfrm>
         </p:spPr>
         <p:txBody>
@@ -2418,39 +2395,39 @@
           <a:lstStyle>
             <a:lvl1pPr marL="0" indent="0">
               <a:buNone/>
-              <a:defRPr sz="3200"/>
+              <a:defRPr sz="2400"/>
             </a:lvl1pPr>
-            <a:lvl2pPr marL="457200" indent="0">
-              <a:buNone/>
-              <a:defRPr sz="2800"/>
+            <a:lvl2pPr marL="342900" indent="0">
+              <a:buNone/>
+              <a:defRPr sz="2100"/>
             </a:lvl2pPr>
-            <a:lvl3pPr marL="914400" indent="0">
-              <a:buNone/>
-              <a:defRPr sz="2400"/>
+            <a:lvl3pPr marL="685800" indent="0">
+              <a:buNone/>
+              <a:defRPr sz="1800"/>
             </a:lvl3pPr>
-            <a:lvl4pPr marL="1371600" indent="0">
-              <a:buNone/>
-              <a:defRPr sz="2000"/>
+            <a:lvl4pPr marL="1028700" indent="0">
+              <a:buNone/>
+              <a:defRPr sz="1500"/>
             </a:lvl4pPr>
-            <a:lvl5pPr marL="1828800" indent="0">
-              <a:buNone/>
-              <a:defRPr sz="2000"/>
+            <a:lvl5pPr marL="1371600" indent="0">
+              <a:buNone/>
+              <a:defRPr sz="1500"/>
             </a:lvl5pPr>
-            <a:lvl6pPr marL="2286000" indent="0">
-              <a:buNone/>
-              <a:defRPr sz="2000"/>
+            <a:lvl6pPr marL="1714500" indent="0">
+              <a:buNone/>
+              <a:defRPr sz="1500"/>
             </a:lvl6pPr>
-            <a:lvl7pPr marL="2743200" indent="0">
-              <a:buNone/>
-              <a:defRPr sz="2000"/>
+            <a:lvl7pPr marL="2057400" indent="0">
+              <a:buNone/>
+              <a:defRPr sz="1500"/>
             </a:lvl7pPr>
-            <a:lvl8pPr marL="3200400" indent="0">
-              <a:buNone/>
-              <a:defRPr sz="2000"/>
+            <a:lvl8pPr marL="2400300" indent="0">
+              <a:buNone/>
+              <a:defRPr sz="1500"/>
             </a:lvl8pPr>
-            <a:lvl9pPr marL="3657600" indent="0">
-              <a:buNone/>
-              <a:defRPr sz="2000"/>
+            <a:lvl9pPr marL="2743200" indent="0">
+              <a:buNone/>
+              <a:defRPr sz="1500"/>
             </a:lvl9pPr>
           </a:lstStyle>
           <a:p>
@@ -2470,8 +2447,8 @@
         </p:nvSpPr>
         <p:spPr>
           <a:xfrm>
-            <a:off x="1792288" y="5367338"/>
-            <a:ext cx="5486400" cy="804862"/>
+            <a:off x="1792288" y="4025503"/>
+            <a:ext cx="5486400" cy="603647"/>
           </a:xfrm>
         </p:spPr>
         <p:txBody>
@@ -2479,45 +2456,45 @@
           <a:lstStyle>
             <a:lvl1pPr marL="0" indent="0">
               <a:buNone/>
-              <a:defRPr sz="1400"/>
+              <a:defRPr sz="1050"/>
             </a:lvl1pPr>
-            <a:lvl2pPr marL="457200" indent="0">
-              <a:buNone/>
-              <a:defRPr sz="1200"/>
+            <a:lvl2pPr marL="342900" indent="0">
+              <a:buNone/>
+              <a:defRPr sz="900"/>
             </a:lvl2pPr>
-            <a:lvl3pPr marL="914400" indent="0">
-              <a:buNone/>
-              <a:defRPr sz="1000"/>
+            <a:lvl3pPr marL="685800" indent="0">
+              <a:buNone/>
+              <a:defRPr sz="750"/>
             </a:lvl3pPr>
-            <a:lvl4pPr marL="1371600" indent="0">
-              <a:buNone/>
-              <a:defRPr sz="900"/>
+            <a:lvl4pPr marL="1028700" indent="0">
+              <a:buNone/>
+              <a:defRPr sz="675"/>
             </a:lvl4pPr>
-            <a:lvl5pPr marL="1828800" indent="0">
-              <a:buNone/>
-              <a:defRPr sz="900"/>
+            <a:lvl5pPr marL="1371600" indent="0">
+              <a:buNone/>
+              <a:defRPr sz="675"/>
             </a:lvl5pPr>
-            <a:lvl6pPr marL="2286000" indent="0">
-              <a:buNone/>
-              <a:defRPr sz="900"/>
+            <a:lvl6pPr marL="1714500" indent="0">
+              <a:buNone/>
+              <a:defRPr sz="675"/>
             </a:lvl6pPr>
-            <a:lvl7pPr marL="2743200" indent="0">
-              <a:buNone/>
-              <a:defRPr sz="900"/>
+            <a:lvl7pPr marL="2057400" indent="0">
+              <a:buNone/>
+              <a:defRPr sz="675"/>
             </a:lvl7pPr>
-            <a:lvl8pPr marL="3200400" indent="0">
-              <a:buNone/>
-              <a:defRPr sz="900"/>
+            <a:lvl8pPr marL="2400300" indent="0">
+              <a:buNone/>
+              <a:defRPr sz="675"/>
             </a:lvl8pPr>
-            <a:lvl9pPr marL="3657600" indent="0">
-              <a:buNone/>
-              <a:defRPr sz="900"/>
+            <a:lvl9pPr marL="2743200" indent="0">
+              <a:buNone/>
+              <a:defRPr sz="675"/>
             </a:lvl9pPr>
           </a:lstStyle>
           <a:p>
             <a:pPr lvl="0"/>
             <a:r>
-              <a:rPr lang="en-US" smtClean="0"/>
+              <a:rPr lang="en-US"/>
               <a:t>Click to edit Master text styles</a:t>
             </a:r>
           </a:p>
@@ -2540,7 +2517,7 @@
           <a:p>
             <a:fld id="{241EB5C9-1307-BA42-ABA2-0BC069CD8E7F}" type="datetimeFigureOut">
               <a:rPr lang="en-US" smtClean="0"/>
-              <a:t>4/5/2019</a:t>
+              <a:t>1/2/22</a:t>
             </a:fld>
             <a:endParaRPr lang="en-US"/>
           </a:p>
@@ -2635,8 +2612,8 @@
         </p:nvSpPr>
         <p:spPr>
           <a:xfrm>
-            <a:off x="457200" y="274638"/>
-            <a:ext cx="8229600" cy="1143000"/>
+            <a:off x="457200" y="205979"/>
+            <a:ext cx="8229600" cy="857250"/>
           </a:xfrm>
           <a:prstGeom prst="rect">
             <a:avLst/>
@@ -2649,10 +2626,9 @@
           <a:lstStyle/>
           <a:p>
             <a:r>
-              <a:rPr lang="en-US" smtClean="0"/>
+              <a:rPr lang="en-US"/>
               <a:t>Click to edit Master title style</a:t>
             </a:r>
-            <a:endParaRPr lang="en-US"/>
           </a:p>
         </p:txBody>
       </p:sp>
@@ -2668,8 +2644,8 @@
         </p:nvSpPr>
         <p:spPr>
           <a:xfrm>
-            <a:off x="457200" y="1600200"/>
-            <a:ext cx="8229600" cy="4525963"/>
+            <a:off x="457200" y="1200151"/>
+            <a:ext cx="8229600" cy="3394472"/>
           </a:xfrm>
           <a:prstGeom prst="rect">
             <a:avLst/>
@@ -2683,38 +2659,37 @@
           <a:p>
             <a:pPr lvl="0"/>
             <a:r>
-              <a:rPr lang="en-US" smtClean="0"/>
+              <a:rPr lang="en-US"/>
               <a:t>Click to edit Master text styles</a:t>
             </a:r>
           </a:p>
           <a:p>
             <a:pPr lvl="1"/>
             <a:r>
-              <a:rPr lang="en-US" smtClean="0"/>
+              <a:rPr lang="en-US"/>
               <a:t>Second level</a:t>
             </a:r>
           </a:p>
           <a:p>
             <a:pPr lvl="2"/>
             <a:r>
-              <a:rPr lang="en-US" smtClean="0"/>
+              <a:rPr lang="en-US"/>
               <a:t>Third level</a:t>
             </a:r>
           </a:p>
           <a:p>
             <a:pPr lvl="3"/>
             <a:r>
-              <a:rPr lang="en-US" smtClean="0"/>
+              <a:rPr lang="en-US"/>
               <a:t>Fourth level</a:t>
             </a:r>
           </a:p>
           <a:p>
             <a:pPr lvl="4"/>
             <a:r>
-              <a:rPr lang="en-US" smtClean="0"/>
+              <a:rPr lang="en-US"/>
               <a:t>Fifth level</a:t>
             </a:r>
-            <a:endParaRPr lang="en-US"/>
           </a:p>
         </p:txBody>
       </p:sp>
@@ -2730,8 +2705,8 @@
         </p:nvSpPr>
         <p:spPr>
           <a:xfrm>
-            <a:off x="457200" y="6356350"/>
-            <a:ext cx="2133600" cy="365125"/>
+            <a:off x="457200" y="4767263"/>
+            <a:ext cx="2133600" cy="273844"/>
           </a:xfrm>
           <a:prstGeom prst="rect">
             <a:avLst/>
@@ -2741,7 +2716,7 @@
           <a:bodyPr anchor="ctr" bIns="45720" lIns="91440" rIns="91440" rtlCol="0" tIns="45720" vert="horz"/>
           <a:lstStyle>
             <a:lvl1pPr algn="l">
-              <a:defRPr sz="1200">
+              <a:defRPr sz="900">
                 <a:solidFill>
                   <a:schemeClr val="tx1">
                     <a:tint val="75000"/>
@@ -2753,7 +2728,7 @@
           <a:p>
             <a:fld id="{241EB5C9-1307-BA42-ABA2-0BC069CD8E7F}" type="datetimeFigureOut">
               <a:rPr lang="en-US" smtClean="0"/>
-              <a:t>4/5/2019</a:t>
+              <a:t>1/2/22</a:t>
             </a:fld>
             <a:endParaRPr lang="en-US"/>
           </a:p>
@@ -2771,8 +2746,8 @@
         </p:nvSpPr>
         <p:spPr>
           <a:xfrm>
-            <a:off x="3124200" y="6356350"/>
-            <a:ext cx="2895600" cy="365125"/>
+            <a:off x="3124200" y="4767263"/>
+            <a:ext cx="2895600" cy="273844"/>
           </a:xfrm>
           <a:prstGeom prst="rect">
             <a:avLst/>
@@ -2782,7 +2757,7 @@
           <a:bodyPr anchor="ctr" bIns="45720" lIns="91440" rIns="91440" rtlCol="0" tIns="45720" vert="horz"/>
           <a:lstStyle>
             <a:lvl1pPr algn="ctr">
-              <a:defRPr sz="1200">
+              <a:defRPr sz="900">
                 <a:solidFill>
                   <a:schemeClr val="tx1">
                     <a:tint val="75000"/>
@@ -2808,8 +2783,8 @@
         </p:nvSpPr>
         <p:spPr>
           <a:xfrm>
-            <a:off x="6553200" y="6356350"/>
-            <a:ext cx="2133600" cy="365125"/>
+            <a:off x="6553200" y="4767263"/>
+            <a:ext cx="2133600" cy="273844"/>
           </a:xfrm>
           <a:prstGeom prst="rect">
             <a:avLst/>
@@ -2819,7 +2794,7 @@
           <a:bodyPr anchor="ctr" bIns="45720" lIns="91440" rIns="91440" rtlCol="0" tIns="45720" vert="horz"/>
           <a:lstStyle>
             <a:lvl1pPr algn="r">
-              <a:defRPr sz="1200">
+              <a:defRPr sz="900">
                 <a:solidFill>
                   <a:schemeClr val="tx1">
                     <a:tint val="75000"/>
@@ -2860,12 +2835,12 @@
   </p:sldLayoutIdLst>
   <p:txStyles>
     <p:titleStyle>
-      <a:lvl1pPr algn="ctr" defTabSz="457200" eaLnBrk="1" hangingPunct="1" latinLnBrk="0" rtl="0">
+      <a:lvl1pPr algn="ctr" defTabSz="342900" eaLnBrk="1" hangingPunct="1" latinLnBrk="0" rtl="0">
         <a:spcBef>
           <a:spcPct val="0"/>
         </a:spcBef>
         <a:buNone/>
-        <a:defRPr kern="1200" sz="4400">
+        <a:defRPr kern="1200" sz="3300">
           <a:solidFill>
             <a:schemeClr val="tx1"/>
           </a:solidFill>
@@ -2876,37 +2851,7 @@
       </a:lvl1pPr>
     </p:titleStyle>
     <p:bodyStyle>
-      <a:lvl1pPr algn="l" defTabSz="457200" eaLnBrk="1" hangingPunct="1" indent="-457200" latinLnBrk="0" marL="457200" rtl="0">
-        <a:spcBef>
-          <a:spcPct val="20000"/>
-        </a:spcBef>
-        <a:buFont typeface="Arial"/>
-        <a:buChar char="•"/>
-        <a:defRPr kern="1200" sz="3200">
-          <a:solidFill>
-            <a:schemeClr val="tx1"/>
-          </a:solidFill>
-          <a:latin typeface="+mn-lt"/>
-          <a:ea typeface="+mn-ea"/>
-          <a:cs typeface="+mn-cs"/>
-        </a:defRPr>
-      </a:lvl1pPr>
-      <a:lvl2pPr algn="l" defTabSz="457200" eaLnBrk="1" hangingPunct="1" indent="-457200" latinLnBrk="0" marL="914400" rtl="0">
-        <a:spcBef>
-          <a:spcPct val="20000"/>
-        </a:spcBef>
-        <a:buFont typeface="Arial"/>
-        <a:buChar char="–"/>
-        <a:defRPr kern="1200" sz="2800">
-          <a:solidFill>
-            <a:schemeClr val="tx1"/>
-          </a:solidFill>
-          <a:latin typeface="+mn-lt"/>
-          <a:ea typeface="+mn-ea"/>
-          <a:cs typeface="+mn-cs"/>
-        </a:defRPr>
-      </a:lvl2pPr>
-      <a:lvl3pPr algn="l" defTabSz="457200" eaLnBrk="1" hangingPunct="1" indent="-457200" latinLnBrk="0" marL="1371600" rtl="0">
+      <a:lvl1pPr algn="l" defTabSz="342900" eaLnBrk="1" hangingPunct="1" indent="-342900" latinLnBrk="0" marL="342900" rtl="0">
         <a:spcBef>
           <a:spcPct val="20000"/>
         </a:spcBef>
@@ -2920,14 +2865,44 @@
           <a:ea typeface="+mn-ea"/>
           <a:cs typeface="+mn-cs"/>
         </a:defRPr>
-      </a:lvl3pPr>
-      <a:lvl4pPr algn="l" defTabSz="457200" eaLnBrk="1" hangingPunct="1" indent="-457200" latinLnBrk="0" marL="1828800" rtl="0">
+      </a:lvl1pPr>
+      <a:lvl2pPr algn="l" defTabSz="342900" eaLnBrk="1" hangingPunct="1" indent="-342900" latinLnBrk="0" marL="685800" rtl="0">
         <a:spcBef>
           <a:spcPct val="20000"/>
         </a:spcBef>
         <a:buFont typeface="Arial"/>
         <a:buChar char="–"/>
-        <a:defRPr kern="1200" sz="2000">
+        <a:defRPr kern="1200" sz="2100">
+          <a:solidFill>
+            <a:schemeClr val="tx1"/>
+          </a:solidFill>
+          <a:latin typeface="+mn-lt"/>
+          <a:ea typeface="+mn-ea"/>
+          <a:cs typeface="+mn-cs"/>
+        </a:defRPr>
+      </a:lvl2pPr>
+      <a:lvl3pPr algn="l" defTabSz="342900" eaLnBrk="1" hangingPunct="1" indent="-342900" latinLnBrk="0" marL="1028700" rtl="0">
+        <a:spcBef>
+          <a:spcPct val="20000"/>
+        </a:spcBef>
+        <a:buFont typeface="Arial"/>
+        <a:buChar char="•"/>
+        <a:defRPr kern="1200" sz="1800">
+          <a:solidFill>
+            <a:schemeClr val="tx1"/>
+          </a:solidFill>
+          <a:latin typeface="+mn-lt"/>
+          <a:ea typeface="+mn-ea"/>
+          <a:cs typeface="+mn-cs"/>
+        </a:defRPr>
+      </a:lvl3pPr>
+      <a:lvl4pPr algn="l" defTabSz="342900" eaLnBrk="1" hangingPunct="1" indent="-342900" latinLnBrk="0" marL="1371600" rtl="0">
+        <a:spcBef>
+          <a:spcPct val="20000"/>
+        </a:spcBef>
+        <a:buFont typeface="Arial"/>
+        <a:buChar char="–"/>
+        <a:defRPr kern="1200" sz="1500">
           <a:solidFill>
             <a:schemeClr val="tx1"/>
           </a:solidFill>
@@ -2936,13 +2911,13 @@
           <a:cs typeface="+mn-cs"/>
         </a:defRPr>
       </a:lvl4pPr>
-      <a:lvl5pPr algn="l" defTabSz="457200" eaLnBrk="1" hangingPunct="1" indent="-457200" latinLnBrk="0" marL="2286000" rtl="0">
+      <a:lvl5pPr algn="l" defTabSz="342900" eaLnBrk="1" hangingPunct="1" indent="-342900" latinLnBrk="0" marL="1714500" rtl="0">
         <a:spcBef>
           <a:spcPct val="20000"/>
         </a:spcBef>
         <a:buFont typeface="Arial"/>
         <a:buChar char="»"/>
-        <a:defRPr kern="1200" sz="2000">
+        <a:defRPr kern="1200" sz="1500">
           <a:solidFill>
             <a:schemeClr val="tx1"/>
           </a:solidFill>
@@ -2951,13 +2926,13 @@
           <a:cs typeface="+mn-cs"/>
         </a:defRPr>
       </a:lvl5pPr>
-      <a:lvl6pPr algn="l" defTabSz="457200" eaLnBrk="1" hangingPunct="1" indent="-457200" latinLnBrk="0" marL="2743200" rtl="0">
+      <a:lvl6pPr algn="l" defTabSz="342900" eaLnBrk="1" hangingPunct="1" indent="-342900" latinLnBrk="0" marL="2057400" rtl="0">
         <a:spcBef>
           <a:spcPct val="20000"/>
         </a:spcBef>
         <a:buFont typeface="Arial"/>
         <a:buChar char="•"/>
-        <a:defRPr kern="1200" sz="2000">
+        <a:defRPr kern="1200" sz="1500">
           <a:solidFill>
             <a:schemeClr val="tx1"/>
           </a:solidFill>
@@ -2966,13 +2941,13 @@
           <a:cs typeface="+mn-cs"/>
         </a:defRPr>
       </a:lvl6pPr>
-      <a:lvl7pPr algn="l" defTabSz="457200" eaLnBrk="1" hangingPunct="1" indent="-457200" latinLnBrk="0" marL="3200400" rtl="0">
+      <a:lvl7pPr algn="l" defTabSz="342900" eaLnBrk="1" hangingPunct="1" indent="-342900" latinLnBrk="0" marL="2400300" rtl="0">
         <a:spcBef>
           <a:spcPct val="20000"/>
         </a:spcBef>
         <a:buFont typeface="Arial"/>
         <a:buChar char="•"/>
-        <a:defRPr kern="1200" sz="2000">
+        <a:defRPr kern="1200" sz="1500">
           <a:solidFill>
             <a:schemeClr val="tx1"/>
           </a:solidFill>
@@ -2981,13 +2956,13 @@
           <a:cs typeface="+mn-cs"/>
         </a:defRPr>
       </a:lvl7pPr>
-      <a:lvl8pPr algn="l" defTabSz="457200" eaLnBrk="1" hangingPunct="1" indent="-457200" latinLnBrk="0" marL="3657600" rtl="0">
+      <a:lvl8pPr algn="l" defTabSz="342900" eaLnBrk="1" hangingPunct="1" indent="-342900" latinLnBrk="0" marL="2743200" rtl="0">
         <a:spcBef>
           <a:spcPct val="20000"/>
         </a:spcBef>
         <a:buFont typeface="Arial"/>
         <a:buChar char="•"/>
-        <a:defRPr kern="1200" sz="2000">
+        <a:defRPr kern="1200" sz="1500">
           <a:solidFill>
             <a:schemeClr val="tx1"/>
           </a:solidFill>
@@ -2996,13 +2971,13 @@
           <a:cs typeface="+mn-cs"/>
         </a:defRPr>
       </a:lvl8pPr>
-      <a:lvl9pPr algn="l" defTabSz="457200" eaLnBrk="1" hangingPunct="1" indent="-457200" latinLnBrk="0" marL="4114800" rtl="0">
+      <a:lvl9pPr algn="l" defTabSz="342900" eaLnBrk="1" hangingPunct="1" indent="-342900" latinLnBrk="0" marL="3086100" rtl="0">
         <a:spcBef>
           <a:spcPct val="20000"/>
         </a:spcBef>
         <a:buFont typeface="Arial"/>
         <a:buChar char="•"/>
-        <a:defRPr kern="1200" sz="2000">
+        <a:defRPr kern="1200" sz="1500">
           <a:solidFill>
             <a:schemeClr val="tx1"/>
           </a:solidFill>
@@ -3016,8 +2991,8 @@
       <a:defPPr>
         <a:defRPr lang="en-US"/>
       </a:defPPr>
-      <a:lvl1pPr algn="l" defTabSz="457200" eaLnBrk="1" hangingPunct="1" latinLnBrk="0" marL="0" rtl="0">
-        <a:defRPr kern="1200" sz="1800">
+      <a:lvl1pPr algn="l" defTabSz="342900" eaLnBrk="1" hangingPunct="1" latinLnBrk="0" marL="0" rtl="0">
+        <a:defRPr kern="1200" sz="1350">
           <a:solidFill>
             <a:schemeClr val="tx1"/>
           </a:solidFill>
@@ -3026,8 +3001,8 @@
           <a:cs typeface="+mn-cs"/>
         </a:defRPr>
       </a:lvl1pPr>
-      <a:lvl2pPr algn="l" defTabSz="457200" eaLnBrk="1" hangingPunct="1" latinLnBrk="0" marL="457200" rtl="0">
-        <a:defRPr kern="1200" sz="1800">
+      <a:lvl2pPr algn="l" defTabSz="342900" eaLnBrk="1" hangingPunct="1" latinLnBrk="0" marL="342900" rtl="0">
+        <a:defRPr kern="1200" sz="1350">
           <a:solidFill>
             <a:schemeClr val="tx1"/>
           </a:solidFill>
@@ -3036,8 +3011,8 @@
           <a:cs typeface="+mn-cs"/>
         </a:defRPr>
       </a:lvl2pPr>
-      <a:lvl3pPr algn="l" defTabSz="457200" eaLnBrk="1" hangingPunct="1" latinLnBrk="0" marL="914400" rtl="0">
-        <a:defRPr kern="1200" sz="1800">
+      <a:lvl3pPr algn="l" defTabSz="342900" eaLnBrk="1" hangingPunct="1" latinLnBrk="0" marL="685800" rtl="0">
+        <a:defRPr kern="1200" sz="1350">
           <a:solidFill>
             <a:schemeClr val="tx1"/>
           </a:solidFill>
@@ -3046,8 +3021,8 @@
           <a:cs typeface="+mn-cs"/>
         </a:defRPr>
       </a:lvl3pPr>
-      <a:lvl4pPr algn="l" defTabSz="457200" eaLnBrk="1" hangingPunct="1" latinLnBrk="0" marL="1371600" rtl="0">
-        <a:defRPr kern="1200" sz="1800">
+      <a:lvl4pPr algn="l" defTabSz="342900" eaLnBrk="1" hangingPunct="1" latinLnBrk="0" marL="1028700" rtl="0">
+        <a:defRPr kern="1200" sz="1350">
           <a:solidFill>
             <a:schemeClr val="tx1"/>
           </a:solidFill>
@@ -3056,8 +3031,8 @@
           <a:cs typeface="+mn-cs"/>
         </a:defRPr>
       </a:lvl4pPr>
-      <a:lvl5pPr algn="l" defTabSz="457200" eaLnBrk="1" hangingPunct="1" latinLnBrk="0" marL="1828800" rtl="0">
-        <a:defRPr kern="1200" sz="1800">
+      <a:lvl5pPr algn="l" defTabSz="342900" eaLnBrk="1" hangingPunct="1" latinLnBrk="0" marL="1371600" rtl="0">
+        <a:defRPr kern="1200" sz="1350">
           <a:solidFill>
             <a:schemeClr val="tx1"/>
           </a:solidFill>
@@ -3066,8 +3041,8 @@
           <a:cs typeface="+mn-cs"/>
         </a:defRPr>
       </a:lvl5pPr>
-      <a:lvl6pPr algn="l" defTabSz="457200" eaLnBrk="1" hangingPunct="1" latinLnBrk="0" marL="2286000" rtl="0">
-        <a:defRPr kern="1200" sz="1800">
+      <a:lvl6pPr algn="l" defTabSz="342900" eaLnBrk="1" hangingPunct="1" latinLnBrk="0" marL="1714500" rtl="0">
+        <a:defRPr kern="1200" sz="1350">
           <a:solidFill>
             <a:schemeClr val="tx1"/>
           </a:solidFill>
@@ -3076,8 +3051,8 @@
           <a:cs typeface="+mn-cs"/>
         </a:defRPr>
       </a:lvl6pPr>
-      <a:lvl7pPr algn="l" defTabSz="457200" eaLnBrk="1" hangingPunct="1" latinLnBrk="0" marL="2743200" rtl="0">
-        <a:defRPr kern="1200" sz="1800">
+      <a:lvl7pPr algn="l" defTabSz="342900" eaLnBrk="1" hangingPunct="1" latinLnBrk="0" marL="2057400" rtl="0">
+        <a:defRPr kern="1200" sz="1350">
           <a:solidFill>
             <a:schemeClr val="tx1"/>
           </a:solidFill>
@@ -3086,8 +3061,8 @@
           <a:cs typeface="+mn-cs"/>
         </a:defRPr>
       </a:lvl7pPr>
-      <a:lvl8pPr algn="l" defTabSz="457200" eaLnBrk="1" hangingPunct="1" latinLnBrk="0" marL="3200400" rtl="0">
-        <a:defRPr kern="1200" sz="1800">
+      <a:lvl8pPr algn="l" defTabSz="342900" eaLnBrk="1" hangingPunct="1" latinLnBrk="0" marL="2400300" rtl="0">
+        <a:defRPr kern="1200" sz="1350">
           <a:solidFill>
             <a:schemeClr val="tx1"/>
           </a:solidFill>
@@ -3096,8 +3071,8 @@
           <a:cs typeface="+mn-cs"/>
         </a:defRPr>
       </a:lvl8pPr>
-      <a:lvl9pPr algn="l" defTabSz="457200" eaLnBrk="1" hangingPunct="1" latinLnBrk="0" marL="3657600" rtl="0">
-        <a:defRPr kern="1200" sz="1800">
+      <a:lvl9pPr algn="l" defTabSz="342900" eaLnBrk="1" hangingPunct="1" latinLnBrk="0" marL="2743200" rtl="0">
+        <a:defRPr kern="1200" sz="1350">
           <a:solidFill>
             <a:schemeClr val="tx1"/>
           </a:solidFill>
@@ -3140,8 +3115,8 @@
         </p:nvSpPr>
         <p:spPr>
           <a:xfrm>
-            <a:off x="685800" y="2130425"/>
-            <a:ext cx="7772400" cy="1470025"/>
+            <a:off x="685800" y="1597819"/>
+            <a:ext cx="7772400" cy="1102519"/>
           </a:xfrm>
         </p:spPr>
         <p:txBody>
@@ -3170,8 +3145,8 @@
         </p:nvSpPr>
         <p:spPr>
           <a:xfrm>
-            <a:off x="1371600" y="3886200"/>
-            <a:ext cx="6400800" cy="1752600"/>
+            <a:off x="1371600" y="2914650"/>
+            <a:ext cx="6400800" cy="1314450"/>
           </a:xfrm>
         </p:spPr>
         <p:txBody>
@@ -3225,342 +3200,6 @@
 </file>
 
 <file path=ppt/slides/slide10.xml><?xml version="1.0" encoding="utf-8"?>
-<p:sld xmlns:a="http://schemas.openxmlformats.org/drawingml/2006/main" xmlns:r="http://schemas.openxmlformats.org/officeDocument/2006/relationships" xmlns:p="http://schemas.openxmlformats.org/presentationml/2006/main">
-  <p:cSld>
-    <p:spTree>
-      <p:nvGrpSpPr>
-        <p:cNvPr id="1" name=""/>
-        <p:cNvGrpSpPr/>
-        <p:nvPr/>
-      </p:nvGrpSpPr>
-      <p:grpSpPr>
-        <a:xfrm>
-          <a:off x="0" y="0"/>
-          <a:ext cx="0" cy="0"/>
-          <a:chOff x="0" y="0"/>
-          <a:chExt cx="0" cy="0"/>
-        </a:xfrm>
-      </p:grpSpPr>
-      <p:sp>
-        <p:nvSpPr>
-          <p:cNvPr id="4" name="Text Placeholder 3"/>
-          <p:cNvSpPr>
-            <a:spLocks noGrp="1"/>
-          </p:cNvSpPr>
-          <p:nvPr>
-            <p:ph idx="2" sz="half" type="body"/>
-          </p:nvPr>
-        </p:nvSpPr>
-        <p:spPr/>
-        <p:txBody>
-          <a:bodyPr/>
-          <a:lstStyle/>
-          <a:p>
-            <a:pPr lvl="0" indent="0" marL="0">
-              <a:spcBef>
-                <a:spcPts val="3000"/>
-              </a:spcBef>
-              <a:buNone/>
-            </a:pPr>
-            <a:r>
-              <a:rPr b="1"/>
-              <a:t>Sample Images-5</a:t>
-            </a:r>
-          </a:p>
-          <a:p>
-            <a:pPr lvl="0"/>
-            <a:r>
-              <a:rPr b="1"/>
-              <a:t>What is Lorem Ipsum?</a:t>
-            </a:r>
-            <a:r>
-              <a:rPr/>
-              <a:t> Lorem Ipsum is simply dummy text of the printing and typesetting industry. Lorem Ipsum has been the industry’s standard dummy text ever since the 1500s,</a:t>
-            </a:r>
-          </a:p>
-        </p:txBody>
-      </p:sp>
-      <p:pic>
-        <p:nvPicPr>
-          <p:cNvPr descr="assets/sample-1.png" id="0" name="Picture 1"/>
-          <p:cNvPicPr>
-            <a:picLocks noGrp="1" noChangeAspect="1"/>
-          </p:cNvPicPr>
-          <p:nvPr/>
-        </p:nvPicPr>
-        <p:blipFill>
-          <a:blip r:embed="rId2"/>
-          <a:stretch>
-            <a:fillRect/>
-          </a:stretch>
-        </p:blipFill>
-        <p:spPr bwMode="auto">
-          <a:xfrm>
-            <a:off x="4749800" y="266700"/>
-            <a:ext cx="2743200" cy="5334000"/>
-          </a:xfrm>
-          <a:prstGeom prst="rect">
-            <a:avLst/>
-          </a:prstGeom>
-          <a:noFill/>
-          <a:ln w="9525">
-            <a:noFill/>
-            <a:headEnd/>
-            <a:tailEnd/>
-          </a:ln>
-        </p:spPr>
-      </p:pic>
-      <p:sp>
-        <p:nvSpPr>
-          <p:cNvPr id="1" name="TextBox 3"/>
-          <p:cNvSpPr txBox="1"/>
-          <p:nvPr/>
-        </p:nvSpPr>
-        <p:spPr>
-          <a:xfrm>
-            <a:off x="3568700" y="5600700"/>
-            <a:ext cx="5105400" cy="508000"/>
-          </a:xfrm>
-          <a:prstGeom prst="rect">
-            <a:avLst/>
-          </a:prstGeom>
-          <a:noFill/>
-        </p:spPr>
-        <p:txBody>
-          <a:bodyPr/>
-          <a:lstStyle/>
-          <a:p>
-            <a:pPr lvl="0" indent="0" marL="0" algn="ctr">
-              <a:buNone/>
-            </a:pPr>
-            <a:r>
-              <a:rPr/>
-              <a:t>bg left:50% h:800px</a:t>
-            </a:r>
-          </a:p>
-        </p:txBody>
-      </p:sp>
-    </p:spTree>
-  </p:cSld>
-</p:sld>
-</file>
-
-<file path=ppt/slides/slide11.xml><?xml version="1.0" encoding="utf-8"?>
-<p:sld xmlns:a="http://schemas.openxmlformats.org/drawingml/2006/main" xmlns:r="http://schemas.openxmlformats.org/officeDocument/2006/relationships" xmlns:p="http://schemas.openxmlformats.org/presentationml/2006/main">
-  <p:cSld>
-    <p:spTree>
-      <p:nvGrpSpPr>
-        <p:cNvPr id="1" name=""/>
-        <p:cNvGrpSpPr/>
-        <p:nvPr/>
-      </p:nvGrpSpPr>
-      <p:grpSpPr>
-        <a:xfrm>
-          <a:off x="0" y="0"/>
-          <a:ext cx="0" cy="0"/>
-          <a:chOff x="0" y="0"/>
-          <a:chExt cx="0" cy="0"/>
-        </a:xfrm>
-      </p:grpSpPr>
-      <p:sp>
-        <p:nvSpPr>
-          <p:cNvPr id="3" name="Content Placeholder 2"/>
-          <p:cNvSpPr>
-            <a:spLocks noGrp="1"/>
-          </p:cNvSpPr>
-          <p:nvPr>
-            <p:ph idx="1"/>
-          </p:nvPr>
-        </p:nvSpPr>
-        <p:spPr/>
-        <p:txBody>
-          <a:bodyPr/>
-          <a:lstStyle/>
-          <a:p>
-            <a:pPr lvl="0" indent="0" marL="0">
-              <a:buNone/>
-            </a:pPr>
-            <a:r>
-              <a:rPr/>
-              <a:t> bg left:50% h:800px</a:t>
-            </a:r>
-          </a:p>
-        </p:txBody>
-      </p:sp>
-    </p:spTree>
-  </p:cSld>
-</p:sld>
-</file>
-
-<file path=ppt/slides/slide12.xml><?xml version="1.0" encoding="utf-8"?>
-<p:sld xmlns:a="http://schemas.openxmlformats.org/drawingml/2006/main" xmlns:r="http://schemas.openxmlformats.org/officeDocument/2006/relationships" xmlns:p="http://schemas.openxmlformats.org/presentationml/2006/main">
-  <p:cSld>
-    <p:spTree>
-      <p:nvGrpSpPr>
-        <p:cNvPr id="1" name=""/>
-        <p:cNvGrpSpPr/>
-        <p:nvPr/>
-      </p:nvGrpSpPr>
-      <p:grpSpPr>
-        <a:xfrm>
-          <a:off x="0" y="0"/>
-          <a:ext cx="0" cy="0"/>
-          <a:chOff x="0" y="0"/>
-          <a:chExt cx="0" cy="0"/>
-        </a:xfrm>
-      </p:grpSpPr>
-      <p:sp>
-        <p:nvSpPr>
-          <p:cNvPr id="4" name="Text Placeholder 3"/>
-          <p:cNvSpPr>
-            <a:spLocks noGrp="1"/>
-          </p:cNvSpPr>
-          <p:nvPr>
-            <p:ph idx="2" sz="half" type="body"/>
-          </p:nvPr>
-        </p:nvSpPr>
-        <p:spPr/>
-        <p:txBody>
-          <a:bodyPr/>
-          <a:lstStyle/>
-          <a:p>
-            <a:pPr lvl="0" indent="0" marL="0">
-              <a:spcBef>
-                <a:spcPts val="3000"/>
-              </a:spcBef>
-              <a:buNone/>
-            </a:pPr>
-            <a:r>
-              <a:rPr b="1"/>
-              <a:t>Sample Images-6</a:t>
-            </a:r>
-          </a:p>
-          <a:p>
-            <a:pPr lvl="0"/>
-            <a:r>
-              <a:rPr b="1"/>
-              <a:t>What is Lorem Ipsum?</a:t>
-            </a:r>
-            <a:r>
-              <a:rPr/>
-              <a:t> Lorem Ipsum is simply dummy text of the printing and typesetting industry. Lorem Ipsum has been the industry’s standard dummy text ever since the 1500s,</a:t>
-            </a:r>
-          </a:p>
-        </p:txBody>
-      </p:sp>
-      <p:pic>
-        <p:nvPicPr>
-          <p:cNvPr descr="assets/sample-1.png" id="0" name="Picture 1"/>
-          <p:cNvPicPr>
-            <a:picLocks noGrp="1" noChangeAspect="1"/>
-          </p:cNvPicPr>
-          <p:nvPr/>
-        </p:nvPicPr>
-        <p:blipFill>
-          <a:blip r:embed="rId2"/>
-          <a:stretch>
-            <a:fillRect/>
-          </a:stretch>
-        </p:blipFill>
-        <p:spPr bwMode="auto">
-          <a:xfrm>
-            <a:off x="4749800" y="266700"/>
-            <a:ext cx="2743200" cy="5334000"/>
-          </a:xfrm>
-          <a:prstGeom prst="rect">
-            <a:avLst/>
-          </a:prstGeom>
-          <a:noFill/>
-          <a:ln w="9525">
-            <a:noFill/>
-            <a:headEnd/>
-            <a:tailEnd/>
-          </a:ln>
-        </p:spPr>
-      </p:pic>
-      <p:sp>
-        <p:nvSpPr>
-          <p:cNvPr id="1" name="TextBox 3"/>
-          <p:cNvSpPr txBox="1"/>
-          <p:nvPr/>
-        </p:nvSpPr>
-        <p:spPr>
-          <a:xfrm>
-            <a:off x="3568700" y="5600700"/>
-            <a:ext cx="5105400" cy="508000"/>
-          </a:xfrm>
-          <a:prstGeom prst="rect">
-            <a:avLst/>
-          </a:prstGeom>
-          <a:noFill/>
-        </p:spPr>
-        <p:txBody>
-          <a:bodyPr/>
-          <a:lstStyle/>
-          <a:p>
-            <a:pPr lvl="0" indent="0" marL="0" algn="ctr">
-              <a:buNone/>
-            </a:pPr>
-            <a:r>
-              <a:rPr/>
-              <a:t>bg left:50% h:300px</a:t>
-            </a:r>
-          </a:p>
-        </p:txBody>
-      </p:sp>
-    </p:spTree>
-  </p:cSld>
-</p:sld>
-</file>
-
-<file path=ppt/slides/slide13.xml><?xml version="1.0" encoding="utf-8"?>
-<p:sld xmlns:a="http://schemas.openxmlformats.org/drawingml/2006/main" xmlns:r="http://schemas.openxmlformats.org/officeDocument/2006/relationships" xmlns:p="http://schemas.openxmlformats.org/presentationml/2006/main">
-  <p:cSld>
-    <p:spTree>
-      <p:nvGrpSpPr>
-        <p:cNvPr id="1" name=""/>
-        <p:cNvGrpSpPr/>
-        <p:nvPr/>
-      </p:nvGrpSpPr>
-      <p:grpSpPr>
-        <a:xfrm>
-          <a:off x="0" y="0"/>
-          <a:ext cx="0" cy="0"/>
-          <a:chOff x="0" y="0"/>
-          <a:chExt cx="0" cy="0"/>
-        </a:xfrm>
-      </p:grpSpPr>
-      <p:sp>
-        <p:nvSpPr>
-          <p:cNvPr id="3" name="Content Placeholder 2"/>
-          <p:cNvSpPr>
-            <a:spLocks noGrp="1"/>
-          </p:cNvSpPr>
-          <p:nvPr>
-            <p:ph idx="1"/>
-          </p:nvPr>
-        </p:nvSpPr>
-        <p:spPr/>
-        <p:txBody>
-          <a:bodyPr/>
-          <a:lstStyle/>
-          <a:p>
-            <a:pPr lvl="0" indent="0" marL="0">
-              <a:buNone/>
-            </a:pPr>
-            <a:r>
-              <a:rPr/>
-              <a:t> bg left:50% h:500px</a:t>
-            </a:r>
-          </a:p>
-        </p:txBody>
-      </p:sp>
-    </p:spTree>
-  </p:cSld>
-</p:sld>
-</file>
-
-<file path=ppt/slides/slide14.xml><?xml version="1.0" encoding="utf-8"?>
 <p:sld xmlns:a="http://schemas.openxmlformats.org/drawingml/2006/main" xmlns:r="http://schemas.openxmlformats.org/officeDocument/2006/relationships" xmlns:p="http://schemas.openxmlformats.org/presentationml/2006/main">
   <p:cSld>
     <p:spTree>
@@ -5037,7 +4676,7 @@
 </p:sld>
 </file>
 
-<file path=ppt/slides/slide15.xml><?xml version="1.0" encoding="utf-8"?>
+<file path=ppt/slides/slide11.xml><?xml version="1.0" encoding="utf-8"?>
 <p:sld xmlns:a="http://schemas.openxmlformats.org/drawingml/2006/main" xmlns:r="http://schemas.openxmlformats.org/officeDocument/2006/relationships" xmlns:p="http://schemas.openxmlformats.org/presentationml/2006/main">
   <p:cSld>
     <p:spTree>
@@ -6372,7 +6011,7 @@
 </p:sld>
 </file>
 
-<file path=ppt/slides/slide16.xml><?xml version="1.0" encoding="utf-8"?>
+<file path=ppt/slides/slide12.xml><?xml version="1.0" encoding="utf-8"?>
 <p:sld xmlns:a="http://schemas.openxmlformats.org/drawingml/2006/main" xmlns:r="http://schemas.openxmlformats.org/officeDocument/2006/relationships" xmlns:p="http://schemas.openxmlformats.org/presentationml/2006/main">
   <p:cSld>
     <p:spTree>
@@ -6423,7 +6062,7 @@
 </p:sld>
 </file>
 
-<file path=ppt/slides/slide17.xml><?xml version="1.0" encoding="utf-8"?>
+<file path=ppt/slides/slide13.xml><?xml version="1.0" encoding="utf-8"?>
 <p:sld xmlns:a="http://schemas.openxmlformats.org/drawingml/2006/main" xmlns:r="http://schemas.openxmlformats.org/officeDocument/2006/relationships" xmlns:p="http://schemas.openxmlformats.org/presentationml/2006/main">
   <p:cSld>
     <p:spTree>
@@ -6483,35 +6122,37 @@
             <a:pPr lvl="0"/>
             <a:r>
               <a:rPr/>
-              <a:t>https://avesis.erdogan.edu.tr/ugur.coruh</a:t>
+              <a:t>https://www.wikihow.com/images/thumb/3/31/Download-and-Install-Google-Chrome-Step-2-Version-3.jpg/v4-728px-Download-and-Install-Google-Chrome-Step-2-Version-3.jpg</a:t>
             </a:r>
           </a:p>
           <a:p>
             <a:pPr lvl="0"/>
             <a:r>
+              <a:rPr>
+                <a:hlinkClick r:id="rId2"/>
+              </a:rPr>
+              <a:t>Google - Wikipedia</a:t>
+            </a:r>
+          </a:p>
+          <a:p>
+            <a:pPr lvl="0"/>
+            <a:r>
               <a:rPr/>
-              <a:t>https://www.linkedin.com/in/ugurcoruh/</a:t>
+              <a:t>https://lh3.googleusercontent.com/O53jgarLMMs6WBjROWgvDFWD1SrzVxc3yLfpI8Lk7_2zUwmgzDi4T-y3QxFTABRkzXKG385ZSkknvOcbL0dt0S5XiAAqEzUO06gy6koJDSCxLERtlJw</a:t>
             </a:r>
           </a:p>
           <a:p>
             <a:pPr lvl="0"/>
             <a:r>
               <a:rPr/>
-              <a:t>https://www.hindawi.com/journals/scn/2018/6563089/</a:t>
+              <a:t>https://storage.googleapis.com/gweb-uniblog-publish-prod/images/Chrome__logo.max-500x500.png</a:t>
             </a:r>
           </a:p>
           <a:p>
             <a:pPr lvl="0"/>
             <a:r>
               <a:rPr/>
-              <a:t>https://dl.acm.org/doi/abs/10.1145/3410352.3410836</a:t>
-            </a:r>
-          </a:p>
-          <a:p>
-            <a:pPr lvl="0"/>
-            <a:r>
-              <a:rPr/>
-              <a:t>https://www.sciencedirect.com/science/article/abs/pii/S2214212621002623</a:t>
+              <a:t>https://i.bigpara.com/resize/650x365/i/55big/google_650.jpg</a:t>
             </a:r>
           </a:p>
         </p:txBody>
@@ -6521,7 +6162,7 @@
 </p:sld>
 </file>
 
-<file path=ppt/slides/slide18.xml><?xml version="1.0" encoding="utf-8"?>
+<file path=ppt/slides/slide14.xml><?xml version="1.0" encoding="utf-8"?>
 <p:sld xmlns:a="http://schemas.openxmlformats.org/drawingml/2006/main" xmlns:r="http://schemas.openxmlformats.org/officeDocument/2006/relationships" xmlns:p="http://schemas.openxmlformats.org/presentationml/2006/main">
   <p:cSld>
     <p:spTree>
@@ -6709,7 +6350,7 @@
             </a:pPr>
             <a:r>
               <a:rPr b="1"/>
-              <a:t>Week-1 (Sample Course Module Name)</a:t>
+              <a:t>Week-1 (Sample Course Note)</a:t>
             </a:r>
           </a:p>
           <a:p>
@@ -6721,7 +6362,7 @@
             </a:pPr>
             <a:r>
               <a:rPr b="1"/>
-              <a:t>Spring Semester, 20XX-20XX</a:t>
+              <a:t>Spring Semester, 2021-2022</a:t>
             </a:r>
           </a:p>
           <a:p>
@@ -6813,28 +6454,7 @@
             <a:pPr lvl="0"/>
             <a:r>
               <a:rPr/>
-              <a:t>Sample Outline</a:t>
-            </a:r>
-          </a:p>
-          <a:p>
-            <a:pPr lvl="0"/>
-            <a:r>
-              <a:rPr/>
-              <a:t>Sample Outline</a:t>
-            </a:r>
-          </a:p>
-          <a:p>
-            <a:pPr lvl="0"/>
-            <a:r>
-              <a:rPr/>
-              <a:t>Sample Outline</a:t>
-            </a:r>
-          </a:p>
-          <a:p>
-            <a:pPr lvl="0"/>
-            <a:r>
-              <a:rPr/>
-              <a:t>Sample Outline</a:t>
+              <a:t>Using Google</a:t>
             </a:r>
           </a:p>
         </p:txBody>
@@ -6881,7 +6501,7 @@
             </a:pPr>
             <a:r>
               <a:rPr b="1"/>
-              <a:t>Sample Topic</a:t>
+              <a:t>How can google be used?</a:t>
             </a:r>
           </a:p>
         </p:txBody>
@@ -6937,33 +6557,88 @@
           <a:p>
             <a:pPr lvl="0"/>
             <a:r>
-              <a:rPr b="1"/>
-              <a:t>What is Lorem Ipsum?</a:t>
-            </a:r>
-            <a:r>
               <a:rPr/>
-              <a:t> Lorem Ipsum is simply dummy text of the printing and typesetting industry. Lorem Ipsum has been the industry’s standard dummy text ever since the 1500s,</a:t>
-            </a:r>
-          </a:p>
-          <a:p>
-            <a:pPr lvl="1"/>
+              <a:t>****What is Google?****  It has been referred to as the “most powerful company in the world. and one of the world’s </a:t>
+            </a:r>
+            <a:r>
+              <a:rPr>
+                <a:hlinkClick r:id="rId2"/>
+              </a:rPr>
+              <a:t>most valuable brands</a:t>
+            </a:r>
             <a:r>
               <a:rPr/>
-              <a:t>when an unknown printer took a galley of type and scrambled it to make a type specimen book. It has survived not only five centuries,</a:t>
-            </a:r>
-          </a:p>
-          <a:p>
-            <a:pPr lvl="2"/>
+              <a:t> due to its market dominance, data collection, and technological advantages in the area of artificial intelligence.Its parent company </a:t>
+            </a:r>
+            <a:r>
+              <a:rPr>
+                <a:hlinkClick r:id="rId3"/>
+              </a:rPr>
+              <a:t>Alphabet</a:t>
+            </a:r>
             <a:r>
               <a:rPr/>
-              <a:t>but also the leap into electronic typesetting, remaining essentially unchanged.</a:t>
-            </a:r>
-          </a:p>
-          <a:p>
-            <a:pPr lvl="3"/>
+              <a:t> is considered one of the </a:t>
+            </a:r>
+            <a:r>
+              <a:rPr>
+                <a:hlinkClick r:id="rId4"/>
+              </a:rPr>
+              <a:t>Big Five</a:t>
+            </a:r>
             <a:r>
               <a:rPr/>
-              <a:t>It was popularised in the 1960s with the release of Letraset sheets containing Lorem Ipsum passages, and more recently with desktop publishing software like Aldus PageMaker including versions of Lorem Ipsum.</a:t>
+              <a:t> American </a:t>
+            </a:r>
+            <a:r>
+              <a:rPr>
+                <a:hlinkClick r:id="rId5"/>
+              </a:rPr>
+              <a:t>information technology</a:t>
+            </a:r>
+            <a:r>
+              <a:rPr/>
+              <a:t> companies, alongside </a:t>
+            </a:r>
+            <a:r>
+              <a:rPr>
+                <a:hlinkClick r:id="rId6"/>
+              </a:rPr>
+              <a:t>Amazon</a:t>
+            </a:r>
+            <a:r>
+              <a:rPr/>
+              <a:t>, </a:t>
+            </a:r>
+            <a:r>
+              <a:rPr>
+                <a:hlinkClick r:id="rId7"/>
+              </a:rPr>
+              <a:t>Apple</a:t>
+            </a:r>
+            <a:r>
+              <a:rPr/>
+              <a:t>, </a:t>
+            </a:r>
+            <a:r>
+              <a:rPr>
+                <a:hlinkClick r:id="rId8"/>
+              </a:rPr>
+              <a:t>Meta</a:t>
+            </a:r>
+            <a:r>
+              <a:rPr/>
+              <a:t>, and </a:t>
+            </a:r>
+            <a:r>
+              <a:rPr>
+                <a:hlinkClick r:id="rId9"/>
+              </a:rPr>
+              <a:t>Microsoft</a:t>
+            </a:r>
+            <a:r>
+              <a:rPr/>
+              <a:t>.</a:t>
             </a:r>
           </a:p>
         </p:txBody>
@@ -6992,12 +6667,12 @@
       </p:grpSpPr>
       <p:sp>
         <p:nvSpPr>
-          <p:cNvPr id="4" name="Text Placeholder 3"/>
-          <p:cNvSpPr>
-            <a:spLocks noGrp="1"/>
-          </p:cNvSpPr>
-          <p:nvPr>
-            <p:ph idx="2" sz="half" type="body"/>
+          <p:cNvPr id="3" name="Content Placeholder 2"/>
+          <p:cNvSpPr>
+            <a:spLocks noGrp="1"/>
+          </p:cNvSpPr>
+          <p:nvPr>
+            <p:ph idx="1"/>
           </p:nvPr>
         </p:nvSpPr>
         <p:spPr/>
@@ -7019,72 +6694,106 @@
           <a:p>
             <a:pPr lvl="0"/>
             <a:r>
-              <a:rPr b="1"/>
-              <a:t>What is Lorem Ipsum?</a:t>
-            </a:r>
-            <a:r>
               <a:rPr/>
-              <a:t> Lorem Ipsum is simply dummy text of the printing and typesetting industry. Lorem Ipsum has been the industry’s standard dummy text ever since the 1500s,</a:t>
-            </a:r>
-          </a:p>
-        </p:txBody>
-      </p:sp>
-      <p:pic>
-        <p:nvPicPr>
-          <p:cNvPr descr="fig:  assets/sample-1.png" id="0" name="Picture 1"/>
-          <p:cNvPicPr>
-            <a:picLocks noGrp="1" noChangeAspect="1"/>
-          </p:cNvPicPr>
-          <p:nvPr/>
-        </p:nvPicPr>
-        <p:blipFill>
-          <a:blip r:embed="rId2"/>
-          <a:stretch>
-            <a:fillRect/>
-          </a:stretch>
-        </p:blipFill>
-        <p:spPr bwMode="auto">
-          <a:xfrm>
-            <a:off x="4749800" y="266700"/>
-            <a:ext cx="2743200" cy="5334000"/>
-          </a:xfrm>
-          <a:prstGeom prst="rect">
-            <a:avLst/>
-          </a:prstGeom>
-          <a:noFill/>
-          <a:ln w="9525">
-            <a:noFill/>
-            <a:headEnd/>
-            <a:tailEnd/>
-          </a:ln>
-        </p:spPr>
-      </p:pic>
-      <p:sp>
-        <p:nvSpPr>
-          <p:cNvPr id="1" name="TextBox 3"/>
-          <p:cNvSpPr txBox="1"/>
-          <p:nvPr/>
-        </p:nvSpPr>
-        <p:spPr>
-          <a:xfrm>
-            <a:off x="3568700" y="5600700"/>
-            <a:ext cx="5105400" cy="508000"/>
-          </a:xfrm>
-          <a:prstGeom prst="rect">
-            <a:avLst/>
-          </a:prstGeom>
-          <a:noFill/>
-        </p:spPr>
-        <p:txBody>
-          <a:bodyPr/>
-          <a:lstStyle/>
-          <a:p>
-            <a:pPr lvl="0" indent="0" marL="0" algn="ctr">
+              <a:t>****What is Google?****</a:t>
+            </a:r>
+          </a:p>
+          <a:p>
+            <a:pPr lvl="1" indent="0" marL="342900">
               <a:buNone/>
             </a:pPr>
             <a:r>
               <a:rPr/>
-              <a:t>center h:400px</a:t>
+              <a:t>Google was founded on September 4, 1998, by </a:t>
+            </a:r>
+            <a:r>
+              <a:rPr>
+                <a:hlinkClick r:id="rId2"/>
+              </a:rPr>
+              <a:t>Larry Page</a:t>
+            </a:r>
+            <a:r>
+              <a:rPr/>
+              <a:t> and </a:t>
+            </a:r>
+            <a:r>
+              <a:rPr>
+                <a:hlinkClick r:id="rId3"/>
+              </a:rPr>
+              <a:t>Sergey Brin</a:t>
+            </a:r>
+            <a:r>
+              <a:rPr/>
+              <a:t> while they were </a:t>
+            </a:r>
+            <a:r>
+              <a:rPr>
+                <a:hlinkClick r:id="rId4"/>
+              </a:rPr>
+              <a:t>PhD</a:t>
+            </a:r>
+            <a:r>
+              <a:rPr/>
+              <a:t> students at </a:t>
+            </a:r>
+            <a:r>
+              <a:rPr>
+                <a:hlinkClick r:id="rId5"/>
+              </a:rPr>
+              <a:t>Stanford University</a:t>
+            </a:r>
+            <a:r>
+              <a:rPr/>
+              <a:t> in </a:t>
+            </a:r>
+            <a:r>
+              <a:rPr>
+                <a:hlinkClick r:id="rId6"/>
+              </a:rPr>
+              <a:t>California</a:t>
+            </a:r>
+            <a:r>
+              <a:rPr/>
+              <a:t>. Together they own about 14% of its publicly listed shares and control 56% of the stockholder voting power through </a:t>
+            </a:r>
+            <a:r>
+              <a:rPr>
+                <a:hlinkClick r:id="rId7"/>
+              </a:rPr>
+              <a:t>super-voting stock</a:t>
+            </a:r>
+            <a:r>
+              <a:rPr/>
+              <a:t>. The company went </a:t>
+            </a:r>
+            <a:r>
+              <a:rPr>
+                <a:hlinkClick r:id="rId8"/>
+              </a:rPr>
+              <a:t>public</a:t>
+            </a:r>
+            <a:r>
+              <a:rPr/>
+              <a:t> via an </a:t>
+            </a:r>
+            <a:r>
+              <a:rPr>
+                <a:hlinkClick r:id="rId9"/>
+              </a:rPr>
+              <a:t>initial public offering</a:t>
+            </a:r>
+            <a:r>
+              <a:rPr/>
+              <a:t> (IPO) in 2004.</a:t>
+            </a:r>
+          </a:p>
+          <a:p>
+            <a:pPr lvl="1" indent="0" marL="342900">
+              <a:buNone/>
+            </a:pPr>
+            <a:r>
+              <a:rPr/>
+              <a:t>Android Apps by Google LLC on Google Play</a:t>
             </a:r>
           </a:p>
         </p:txBody>
@@ -7113,12 +6822,12 @@
       </p:grpSpPr>
       <p:sp>
         <p:nvSpPr>
-          <p:cNvPr id="4" name="Text Placeholder 3"/>
-          <p:cNvSpPr>
-            <a:spLocks noGrp="1"/>
-          </p:cNvSpPr>
-          <p:nvPr>
-            <p:ph idx="2" sz="half" type="body"/>
+          <p:cNvPr id="3" name="Content Placeholder 2"/>
+          <p:cNvSpPr>
+            <a:spLocks noGrp="1"/>
+          </p:cNvSpPr>
+          <p:nvPr>
+            <p:ph idx="1"/>
           </p:nvPr>
         </p:nvSpPr>
         <p:spPr/>
@@ -7140,72 +6849,35 @@
           <a:p>
             <a:pPr lvl="0"/>
             <a:r>
-              <a:rPr b="1"/>
-              <a:t>What is Lorem Ipsum?</a:t>
-            </a:r>
-            <a:r>
               <a:rPr/>
-              <a:t> Lorem Ipsum is simply dummy text of the printing and typesetting industry. Lorem Ipsum has been the industry’s standard dummy text ever since the 1500s,</a:t>
-            </a:r>
-          </a:p>
-        </p:txBody>
-      </p:sp>
-      <p:pic>
-        <p:nvPicPr>
-          <p:cNvPr descr="fig:  assets/sample-1.png" id="0" name="Picture 1"/>
-          <p:cNvPicPr>
-            <a:picLocks noGrp="1" noChangeAspect="1"/>
-          </p:cNvPicPr>
-          <p:nvPr/>
-        </p:nvPicPr>
-        <p:blipFill>
-          <a:blip r:embed="rId2"/>
-          <a:stretch>
-            <a:fillRect/>
-          </a:stretch>
-        </p:blipFill>
-        <p:spPr bwMode="auto">
-          <a:xfrm>
-            <a:off x="4749800" y="266700"/>
-            <a:ext cx="2743200" cy="5334000"/>
-          </a:xfrm>
-          <a:prstGeom prst="rect">
-            <a:avLst/>
-          </a:prstGeom>
-          <a:noFill/>
-          <a:ln w="9525">
-            <a:noFill/>
-            <a:headEnd/>
-            <a:tailEnd/>
-          </a:ln>
-        </p:spPr>
-      </p:pic>
-      <p:sp>
-        <p:nvSpPr>
-          <p:cNvPr id="1" name="TextBox 3"/>
-          <p:cNvSpPr txBox="1"/>
-          <p:nvPr/>
-        </p:nvSpPr>
-        <p:spPr>
-          <a:xfrm>
-            <a:off x="3568700" y="5600700"/>
-            <a:ext cx="5105400" cy="508000"/>
-          </a:xfrm>
-          <a:prstGeom prst="rect">
-            <a:avLst/>
-          </a:prstGeom>
-          <a:noFill/>
-        </p:spPr>
-        <p:txBody>
-          <a:bodyPr/>
-          <a:lstStyle/>
-          <a:p>
-            <a:pPr lvl="0" indent="0" marL="0" algn="ctr">
-              <a:buNone/>
-            </a:pPr>
+              <a:t>****What is Google?**** In 2015, Google was reorganized as a wholly owned subsidiary of Alphabet Inc. Google is Alphabet’s largest subsidiary and is a </a:t>
+            </a:r>
+            <a:r>
+              <a:rPr>
+                <a:hlinkClick r:id="rId2"/>
+              </a:rPr>
+              <a:t>holding company</a:t>
+            </a:r>
             <a:r>
               <a:rPr/>
-              <a:t>bg right:50% h:400px</a:t>
+              <a:t> for Alphabet’s Internet properties and interests. </a:t>
+            </a:r>
+            <a:r>
+              <a:rPr>
+                <a:hlinkClick r:id="rId3"/>
+              </a:rPr>
+              <a:t>Sundar Pichai</a:t>
+            </a:r>
+            <a:r>
+              <a:rPr/>
+              <a:t> was appointed CEO of Google on October 24, 2015, replacing Larry Page, who became the CEO of Alphabet. On December 3, 2019, Pichai also became the CEO of Alphabet.</a:t>
+            </a:r>
+          </a:p>
+          <a:p>
+            <a:pPr lvl="0"/>
+            <a:r>
+              <a:rPr/>
+              <a:t>Google Chrome - Vikipedi</a:t>
             </a:r>
           </a:p>
         </p:txBody>
@@ -7234,12 +6906,12 @@
       </p:grpSpPr>
       <p:sp>
         <p:nvSpPr>
-          <p:cNvPr id="4" name="Text Placeholder 3"/>
-          <p:cNvSpPr>
-            <a:spLocks noGrp="1"/>
-          </p:cNvSpPr>
-          <p:nvPr>
-            <p:ph idx="2" sz="half" type="body"/>
+          <p:cNvPr id="3" name="Content Placeholder 2"/>
+          <p:cNvSpPr>
+            <a:spLocks noGrp="1"/>
+          </p:cNvSpPr>
+          <p:nvPr>
+            <p:ph idx="1"/>
           </p:nvPr>
         </p:nvSpPr>
         <p:spPr/>
@@ -7261,72 +6933,15 @@
           <a:p>
             <a:pPr lvl="0"/>
             <a:r>
-              <a:rPr b="1"/>
-              <a:t>What is Lorem Ipsum?</a:t>
-            </a:r>
-            <a:r>
               <a:rPr/>
-              <a:t> Lorem Ipsum is simply dummy text of the printing and typesetting industry. Lorem Ipsum has been the industry’s standard dummy text ever since the 1500s,</a:t>
-            </a:r>
-          </a:p>
-        </p:txBody>
-      </p:sp>
-      <p:pic>
-        <p:nvPicPr>
-          <p:cNvPr descr="fig:  assets/sample-1.png" id="0" name="Picture 1"/>
-          <p:cNvPicPr>
-            <a:picLocks noGrp="1" noChangeAspect="1"/>
-          </p:cNvPicPr>
-          <p:nvPr/>
-        </p:nvPicPr>
-        <p:blipFill>
-          <a:blip r:embed="rId2"/>
-          <a:stretch>
-            <a:fillRect/>
-          </a:stretch>
-        </p:blipFill>
-        <p:spPr bwMode="auto">
-          <a:xfrm>
-            <a:off x="4749800" y="266700"/>
-            <a:ext cx="2743200" cy="5334000"/>
-          </a:xfrm>
-          <a:prstGeom prst="rect">
-            <a:avLst/>
-          </a:prstGeom>
-          <a:noFill/>
-          <a:ln w="9525">
-            <a:noFill/>
-            <a:headEnd/>
-            <a:tailEnd/>
-          </a:ln>
-        </p:spPr>
-      </p:pic>
-      <p:sp>
-        <p:nvSpPr>
-          <p:cNvPr id="1" name="TextBox 3"/>
-          <p:cNvSpPr txBox="1"/>
-          <p:nvPr/>
-        </p:nvSpPr>
-        <p:spPr>
-          <a:xfrm>
-            <a:off x="3568700" y="5600700"/>
-            <a:ext cx="5105400" cy="508000"/>
-          </a:xfrm>
-          <a:prstGeom prst="rect">
-            <a:avLst/>
-          </a:prstGeom>
-          <a:noFill/>
-        </p:spPr>
-        <p:txBody>
-          <a:bodyPr/>
-          <a:lstStyle/>
-          <a:p>
-            <a:pPr lvl="0" indent="0" marL="0" algn="ctr">
-              <a:buNone/>
-            </a:pPr>
+              <a:t>****What is Google?**** Google Chrome is one of the most popular web browsers because of its fast performance, stability, efficiency, and top-notch security. And if you use Gmail, Chrome makes the transition from checking your email to surfing the web seamless.</a:t>
+            </a:r>
+          </a:p>
+          <a:p>
+            <a:pPr lvl="0"/>
             <a:r>
               <a:rPr/>
-              <a:t>bg left:50% h:400px</a:t>
+              <a:t>Browse All of Google’s Products &amp; Services - Google</a:t>
             </a:r>
           </a:p>
         </p:txBody>
@@ -7355,12 +6970,12 @@
       </p:grpSpPr>
       <p:sp>
         <p:nvSpPr>
-          <p:cNvPr id="4" name="Text Placeholder 3"/>
-          <p:cNvSpPr>
-            <a:spLocks noGrp="1"/>
-          </p:cNvSpPr>
-          <p:nvPr>
-            <p:ph idx="2" sz="half" type="body"/>
+          <p:cNvPr id="3" name="Content Placeholder 2"/>
+          <p:cNvSpPr>
+            <a:spLocks noGrp="1"/>
+          </p:cNvSpPr>
+          <p:nvPr>
+            <p:ph idx="1"/>
           </p:nvPr>
         </p:nvSpPr>
         <p:spPr/>
@@ -7383,71 +6998,16 @@
             <a:pPr lvl="0"/>
             <a:r>
               <a:rPr b="1"/>
-              <a:t>What is Lorem Ipsum?</a:t>
-            </a:r>
+              <a:t>How is download Google ?</a:t>
+            </a:r>
+          </a:p>
+          <a:p>
+            <a:pPr lvl="1" indent="0" marL="342900">
+              <a:buNone/>
+            </a:pPr>
             <a:r>
               <a:rPr/>
-              <a:t> Lorem Ipsum is simply dummy text of the printing and typesetting industry. Lorem Ipsum has been the industry’s standard dummy text ever since the 1500s,</a:t>
-            </a:r>
-          </a:p>
-        </p:txBody>
-      </p:sp>
-      <p:pic>
-        <p:nvPicPr>
-          <p:cNvPr descr="fig:  assets/sample-1.png" id="0" name="Picture 1"/>
-          <p:cNvPicPr>
-            <a:picLocks noGrp="1" noChangeAspect="1"/>
-          </p:cNvPicPr>
-          <p:nvPr/>
-        </p:nvPicPr>
-        <p:blipFill>
-          <a:blip r:embed="rId2"/>
-          <a:stretch>
-            <a:fillRect/>
-          </a:stretch>
-        </p:blipFill>
-        <p:spPr bwMode="auto">
-          <a:xfrm>
-            <a:off x="4749800" y="266700"/>
-            <a:ext cx="2743200" cy="5334000"/>
-          </a:xfrm>
-          <a:prstGeom prst="rect">
-            <a:avLst/>
-          </a:prstGeom>
-          <a:noFill/>
-          <a:ln w="9525">
-            <a:noFill/>
-            <a:headEnd/>
-            <a:tailEnd/>
-          </a:ln>
-        </p:spPr>
-      </p:pic>
-      <p:sp>
-        <p:nvSpPr>
-          <p:cNvPr id="1" name="TextBox 3"/>
-          <p:cNvSpPr txBox="1"/>
-          <p:nvPr/>
-        </p:nvSpPr>
-        <p:spPr>
-          <a:xfrm>
-            <a:off x="3568700" y="5600700"/>
-            <a:ext cx="5105400" cy="508000"/>
-          </a:xfrm>
-          <a:prstGeom prst="rect">
-            <a:avLst/>
-          </a:prstGeom>
-          <a:noFill/>
-        </p:spPr>
-        <p:txBody>
-          <a:bodyPr/>
-          <a:lstStyle/>
-          <a:p>
-            <a:pPr lvl="0" indent="0" marL="0" algn="ctr">
-              <a:buNone/>
-            </a:pPr>
-            <a:r>
-              <a:rPr/>
-              <a:t>bg h:400px</a:t>
+              <a:t>Go to Google Chrome internet. You can use any internet browser to download Google Chrome. If you haven’t installed a browser, you can use the operating system’s pre-installed internet browser (Internet Explorer for Windows and Safari for Mac OS X).</a:t>
             </a:r>
           </a:p>
         </p:txBody>
